--- a/docu/src/main/java/de/factoryfx/docu/migration/overview.pptx
+++ b/docu/src/main/java/de/factoryfx/docu/migration/overview.pptx
@@ -1626,8 +1626,8 @@
       </dsp:nvSpPr>
       <dsp:spPr>
         <a:xfrm rot="5400000">
-          <a:off x="629450" y="1523906"/>
-          <a:ext cx="1879662" cy="3127716"/>
+          <a:off x="640852" y="1086494"/>
+          <a:ext cx="1874791" cy="3119610"/>
         </a:xfrm>
         <a:prstGeom prst="corner">
           <a:avLst>
@@ -1679,8 +1679,8 @@
       </dsp:nvSpPr>
       <dsp:spPr>
         <a:xfrm>
-          <a:off x="315687" y="2458420"/>
-          <a:ext cx="2823719" cy="2475155"/>
+          <a:off x="327903" y="2018586"/>
+          <a:ext cx="2816401" cy="2468741"/>
         </a:xfrm>
         <a:prstGeom prst="rect">
           <a:avLst/>
@@ -1904,8 +1904,8 @@
         </a:p>
       </dsp:txBody>
       <dsp:txXfrm>
-        <a:off x="315687" y="2458420"/>
-        <a:ext cx="2823719" cy="2475155"/>
+        <a:off x="327903" y="2018586"/>
+        <a:ext cx="2816401" cy="2468741"/>
       </dsp:txXfrm>
     </dsp:sp>
     <dsp:sp modelId="{D0803028-CA5F-43FA-912F-BEF2EA8736C4}">
@@ -1915,8 +1915,8 @@
       </dsp:nvSpPr>
       <dsp:spPr>
         <a:xfrm>
-          <a:off x="2606630" y="1293640"/>
-          <a:ext cx="532777" cy="532777"/>
+          <a:off x="2612908" y="856825"/>
+          <a:ext cx="531396" cy="531396"/>
         </a:xfrm>
         <a:prstGeom prst="triangle">
           <a:avLst>
@@ -1967,8 +1967,8 @@
       </dsp:nvSpPr>
       <dsp:spPr>
         <a:xfrm rot="5400000">
-          <a:off x="4086234" y="668521"/>
-          <a:ext cx="1879662" cy="3127716"/>
+          <a:off x="4088678" y="233326"/>
+          <a:ext cx="1874791" cy="3119610"/>
         </a:xfrm>
         <a:prstGeom prst="corner">
           <a:avLst>
@@ -2020,8 +2020,8 @@
       </dsp:nvSpPr>
       <dsp:spPr>
         <a:xfrm>
-          <a:off x="3772472" y="1603035"/>
-          <a:ext cx="2823719" cy="2475155"/>
+          <a:off x="3775729" y="1165418"/>
+          <a:ext cx="2816401" cy="2468741"/>
         </a:xfrm>
         <a:prstGeom prst="rect">
           <a:avLst/>
@@ -2256,8 +2256,8 @@
         </a:p>
       </dsp:txBody>
       <dsp:txXfrm>
-        <a:off x="3772472" y="1603035"/>
-        <a:ext cx="2823719" cy="2475155"/>
+        <a:off x="3775729" y="1165418"/>
+        <a:ext cx="2816401" cy="2468741"/>
       </dsp:txXfrm>
     </dsp:sp>
     <dsp:sp modelId="{3BA3196D-8E0E-4F3B-B8ED-026E104F469F}">
@@ -2267,8 +2267,8 @@
       </dsp:nvSpPr>
       <dsp:spPr>
         <a:xfrm>
-          <a:off x="6063414" y="438256"/>
-          <a:ext cx="532777" cy="532777"/>
+          <a:off x="6060734" y="3657"/>
+          <a:ext cx="531396" cy="531396"/>
         </a:xfrm>
         <a:prstGeom prst="triangle">
           <a:avLst>
@@ -2319,8 +2319,8 @@
       </dsp:nvSpPr>
       <dsp:spPr>
         <a:xfrm rot="5400000">
-          <a:off x="7543019" y="-186862"/>
-          <a:ext cx="1879662" cy="3127716"/>
+          <a:off x="7536504" y="-619841"/>
+          <a:ext cx="1874791" cy="3119610"/>
         </a:xfrm>
         <a:prstGeom prst="corner">
           <a:avLst>
@@ -2372,8 +2372,8 @@
       </dsp:nvSpPr>
       <dsp:spPr>
         <a:xfrm>
-          <a:off x="7229256" y="747650"/>
-          <a:ext cx="2823719" cy="2475155"/>
+          <a:off x="7223555" y="312250"/>
+          <a:ext cx="2816401" cy="2468741"/>
         </a:xfrm>
         <a:prstGeom prst="rect">
           <a:avLst/>
@@ -2454,8 +2454,8 @@
         </a:p>
       </dsp:txBody>
       <dsp:txXfrm>
-        <a:off x="7229256" y="747650"/>
-        <a:ext cx="2823719" cy="2475155"/>
+        <a:off x="7223555" y="312250"/>
+        <a:ext cx="2816401" cy="2468741"/>
       </dsp:txXfrm>
     </dsp:sp>
   </dsp:spTree>
@@ -6975,14 +6975,14 @@
           <p:nvPr>
             <p:extLst>
               <p:ext uri="{D42A27DB-BD31-4B8C-83A1-F6EECF244321}">
-                <p14:modId xmlns:p14="http://schemas.microsoft.com/office/powerpoint/2010/main" val="1321596070"/>
+                <p14:modId xmlns:p14="http://schemas.microsoft.com/office/powerpoint/2010/main" val="1394029394"/>
               </p:ext>
             </p:extLst>
           </p:nvPr>
         </p:nvGraphicFramePr>
         <p:xfrm>
           <a:off x="276837" y="300218"/>
-          <a:ext cx="10058400" cy="5370740"/>
+          <a:ext cx="10058400" cy="4489896"/>
         </p:xfrm>
         <a:graphic>
           <a:graphicData uri="http://schemas.openxmlformats.org/drawingml/2006/diagram">

--- a/docu/src/main/java/de/factoryfx/docu/migration/overview.pptx
+++ b/docu/src/main/java/de/factoryfx/docu/migration/overview.pptx
@@ -104,6 +104,11 @@
       </a:defRPr>
     </a:lvl9pPr>
   </p:defaultTextStyle>
+  <p:extLst>
+    <p:ext uri="{EFAFB233-063F-42B5-8137-9DF3F51BA10A}">
+      <p15:sldGuideLst xmlns:p15="http://schemas.microsoft.com/office/powerpoint/2012/main"/>
+    </p:ext>
+  </p:extLst>
 </p:presentation>
 </file>
 
@@ -928,154 +933,491 @@
             <a:buNone/>
           </a:pPr>
           <a:r>
-            <a:rPr lang="de-DE" sz="800" b="0" i="0" dirty="0">
+            <a:rPr kumimoji="0" lang="de-DE" altLang="de-DE" sz="800" b="0" i="0" u="none" strike="noStrike" cap="none" normalizeH="0" baseline="0" dirty="0">
+              <a:ln>
+                <a:noFill/>
+              </a:ln>
+              <a:solidFill>
+                <a:srgbClr val="000000"/>
+              </a:solidFill>
+              <a:effectLst/>
               <a:latin typeface="Courier New" panose="02070309020205020404" pitchFamily="49" charset="0"/>
               <a:cs typeface="Courier New" panose="02070309020205020404" pitchFamily="49" charset="0"/>
             </a:rPr>
             <a:t>{</a:t>
           </a:r>
           <a:br>
-            <a:rPr lang="de-DE" sz="800" b="0" i="0" dirty="0">
+            <a:rPr kumimoji="0" lang="de-DE" altLang="de-DE" sz="800" b="0" i="0" u="none" strike="noStrike" cap="none" normalizeH="0" baseline="0" dirty="0">
+              <a:ln>
+                <a:noFill/>
+              </a:ln>
+              <a:solidFill>
+                <a:srgbClr val="000000"/>
+              </a:solidFill>
+              <a:effectLst/>
               <a:latin typeface="Courier New" panose="02070309020205020404" pitchFamily="49" charset="0"/>
               <a:cs typeface="Courier New" panose="02070309020205020404" pitchFamily="49" charset="0"/>
             </a:rPr>
           </a:br>
           <a:r>
-            <a:rPr lang="de-DE" sz="800" b="0" i="0" dirty="0">
-              <a:latin typeface="Courier New" panose="02070309020205020404" pitchFamily="49" charset="0"/>
-              <a:cs typeface="Courier New" panose="02070309020205020404" pitchFamily="49" charset="0"/>
-            </a:rPr>
-            <a:t>  "@</a:t>
-          </a:r>
-          <a:r>
-            <a:rPr lang="de-DE" sz="800" b="0" i="0" dirty="0" err="1">
+            <a:rPr kumimoji="0" lang="de-DE" altLang="de-DE" sz="800" b="0" i="0" u="none" strike="noStrike" cap="none" normalizeH="0" baseline="0" dirty="0">
+              <a:ln>
+                <a:noFill/>
+              </a:ln>
+              <a:solidFill>
+                <a:srgbClr val="000000"/>
+              </a:solidFill>
+              <a:effectLst/>
+              <a:latin typeface="Courier New" panose="02070309020205020404" pitchFamily="49" charset="0"/>
+              <a:cs typeface="Courier New" panose="02070309020205020404" pitchFamily="49" charset="0"/>
+            </a:rPr>
+            <a:t>  </a:t>
+          </a:r>
+          <a:r>
+            <a:rPr kumimoji="0" lang="de-DE" altLang="de-DE" sz="800" b="1" i="0" u="none" strike="noStrike" cap="none" normalizeH="0" baseline="0" dirty="0">
+              <a:ln>
+                <a:noFill/>
+              </a:ln>
+              <a:solidFill>
+                <a:srgbClr val="660E7A"/>
+              </a:solidFill>
+              <a:effectLst/>
+              <a:latin typeface="Courier New" panose="02070309020205020404" pitchFamily="49" charset="0"/>
+              <a:cs typeface="Courier New" panose="02070309020205020404" pitchFamily="49" charset="0"/>
+            </a:rPr>
+            <a:t>"@</a:t>
+          </a:r>
+          <a:r>
+            <a:rPr kumimoji="0" lang="de-DE" altLang="de-DE" sz="800" b="1" i="0" u="none" strike="noStrike" cap="none" normalizeH="0" baseline="0" dirty="0" err="1">
+              <a:ln>
+                <a:noFill/>
+              </a:ln>
+              <a:solidFill>
+                <a:srgbClr val="660E7A"/>
+              </a:solidFill>
+              <a:effectLst/>
               <a:latin typeface="Courier New" panose="02070309020205020404" pitchFamily="49" charset="0"/>
               <a:cs typeface="Courier New" panose="02070309020205020404" pitchFamily="49" charset="0"/>
             </a:rPr>
             <a:t>class</a:t>
           </a:r>
           <a:r>
-            <a:rPr lang="de-DE" sz="800" b="0" i="0" dirty="0">
-              <a:latin typeface="Courier New" panose="02070309020205020404" pitchFamily="49" charset="0"/>
-              <a:cs typeface="Courier New" panose="02070309020205020404" pitchFamily="49" charset="0"/>
-            </a:rPr>
-            <a:t>" : "</a:t>
-          </a:r>
-          <a:r>
-            <a:rPr lang="de-DE" sz="800" b="0" i="0" dirty="0" err="1">
-              <a:latin typeface="Courier New" panose="02070309020205020404" pitchFamily="49" charset="0"/>
-              <a:cs typeface="Courier New" panose="02070309020205020404" pitchFamily="49" charset="0"/>
-            </a:rPr>
-            <a:t>de.factoryfx.data.merge.testdata.ExampleDataA</a:t>
-          </a:r>
-          <a:r>
-            <a:rPr lang="de-DE" sz="800" b="0" i="0" dirty="0">
-              <a:latin typeface="Courier New" panose="02070309020205020404" pitchFamily="49" charset="0"/>
-              <a:cs typeface="Courier New" panose="02070309020205020404" pitchFamily="49" charset="0"/>
-            </a:rPr>
-            <a:t>",</a:t>
+            <a:rPr kumimoji="0" lang="de-DE" altLang="de-DE" sz="800" b="1" i="0" u="none" strike="noStrike" cap="none" normalizeH="0" baseline="0" dirty="0">
+              <a:ln>
+                <a:noFill/>
+              </a:ln>
+              <a:solidFill>
+                <a:srgbClr val="660E7A"/>
+              </a:solidFill>
+              <a:effectLst/>
+              <a:latin typeface="Courier New" panose="02070309020205020404" pitchFamily="49" charset="0"/>
+              <a:cs typeface="Courier New" panose="02070309020205020404" pitchFamily="49" charset="0"/>
+            </a:rPr>
+            <a:t>" </a:t>
+          </a:r>
+          <a:r>
+            <a:rPr kumimoji="0" lang="de-DE" altLang="de-DE" sz="800" b="0" i="0" u="none" strike="noStrike" cap="none" normalizeH="0" baseline="0" dirty="0">
+              <a:ln>
+                <a:noFill/>
+              </a:ln>
+              <a:solidFill>
+                <a:srgbClr val="000000"/>
+              </a:solidFill>
+              <a:effectLst/>
+              <a:latin typeface="Courier New" panose="02070309020205020404" pitchFamily="49" charset="0"/>
+              <a:cs typeface="Courier New" panose="02070309020205020404" pitchFamily="49" charset="0"/>
+            </a:rPr>
+            <a:t>: </a:t>
+          </a:r>
+          <a:r>
+            <a:rPr kumimoji="0" lang="de-DE" altLang="de-DE" sz="800" b="1" i="0" u="none" strike="noStrike" cap="none" normalizeH="0" baseline="0" dirty="0">
+              <a:ln>
+                <a:noFill/>
+              </a:ln>
+              <a:solidFill>
+                <a:srgbClr val="008000"/>
+              </a:solidFill>
+              <a:effectLst/>
+              <a:latin typeface="Courier New" panose="02070309020205020404" pitchFamily="49" charset="0"/>
+              <a:cs typeface="Courier New" panose="02070309020205020404" pitchFamily="49" charset="0"/>
+            </a:rPr>
+            <a:t>"</a:t>
+          </a:r>
+          <a:r>
+            <a:rPr kumimoji="0" lang="de-DE" altLang="de-DE" sz="800" b="1" i="0" u="none" strike="noStrike" cap="none" normalizeH="0" baseline="0" dirty="0" err="1">
+              <a:ln>
+                <a:noFill/>
+              </a:ln>
+              <a:solidFill>
+                <a:srgbClr val="008000"/>
+              </a:solidFill>
+              <a:effectLst/>
+              <a:latin typeface="Courier New" panose="02070309020205020404" pitchFamily="49" charset="0"/>
+              <a:cs typeface="Courier New" panose="02070309020205020404" pitchFamily="49" charset="0"/>
+            </a:rPr>
+            <a:t>de.factoryfx.data.testdata.ExampleDataA</a:t>
+          </a:r>
+          <a:r>
+            <a:rPr kumimoji="0" lang="de-DE" altLang="de-DE" sz="800" b="1" i="0" u="none" strike="noStrike" cap="none" normalizeH="0" baseline="0" dirty="0">
+              <a:ln>
+                <a:noFill/>
+              </a:ln>
+              <a:solidFill>
+                <a:srgbClr val="008000"/>
+              </a:solidFill>
+              <a:effectLst/>
+              <a:latin typeface="Courier New" panose="02070309020205020404" pitchFamily="49" charset="0"/>
+              <a:cs typeface="Courier New" panose="02070309020205020404" pitchFamily="49" charset="0"/>
+            </a:rPr>
+            <a:t>"</a:t>
+          </a:r>
+          <a:r>
+            <a:rPr kumimoji="0" lang="de-DE" altLang="de-DE" sz="800" b="0" i="0" u="none" strike="noStrike" cap="none" normalizeH="0" baseline="0" dirty="0">
+              <a:ln>
+                <a:noFill/>
+              </a:ln>
+              <a:solidFill>
+                <a:srgbClr val="000000"/>
+              </a:solidFill>
+              <a:effectLst/>
+              <a:latin typeface="Courier New" panose="02070309020205020404" pitchFamily="49" charset="0"/>
+              <a:cs typeface="Courier New" panose="02070309020205020404" pitchFamily="49" charset="0"/>
+            </a:rPr>
+            <a:t>,</a:t>
           </a:r>
           <a:br>
-            <a:rPr lang="de-DE" sz="800" b="0" i="0" dirty="0">
+            <a:rPr kumimoji="0" lang="de-DE" altLang="de-DE" sz="800" b="0" i="0" u="none" strike="noStrike" cap="none" normalizeH="0" baseline="0" dirty="0">
+              <a:ln>
+                <a:noFill/>
+              </a:ln>
+              <a:solidFill>
+                <a:srgbClr val="000000"/>
+              </a:solidFill>
+              <a:effectLst/>
               <a:latin typeface="Courier New" panose="02070309020205020404" pitchFamily="49" charset="0"/>
               <a:cs typeface="Courier New" panose="02070309020205020404" pitchFamily="49" charset="0"/>
             </a:rPr>
           </a:br>
           <a:r>
-            <a:rPr lang="de-DE" sz="800" b="0" i="0" dirty="0">
-              <a:latin typeface="Courier New" panose="02070309020205020404" pitchFamily="49" charset="0"/>
-              <a:cs typeface="Courier New" panose="02070309020205020404" pitchFamily="49" charset="0"/>
-            </a:rPr>
-            <a:t>  "</a:t>
-          </a:r>
-          <a:r>
-            <a:rPr lang="de-DE" sz="800" b="0" i="0" dirty="0" err="1">
+            <a:rPr kumimoji="0" lang="de-DE" altLang="de-DE" sz="800" b="0" i="0" u="none" strike="noStrike" cap="none" normalizeH="0" baseline="0" dirty="0">
+              <a:ln>
+                <a:noFill/>
+              </a:ln>
+              <a:solidFill>
+                <a:srgbClr val="000000"/>
+              </a:solidFill>
+              <a:effectLst/>
+              <a:latin typeface="Courier New" panose="02070309020205020404" pitchFamily="49" charset="0"/>
+              <a:cs typeface="Courier New" panose="02070309020205020404" pitchFamily="49" charset="0"/>
+            </a:rPr>
+            <a:t>  </a:t>
+          </a:r>
+          <a:r>
+            <a:rPr kumimoji="0" lang="de-DE" altLang="de-DE" sz="800" b="1" i="0" u="none" strike="noStrike" cap="none" normalizeH="0" baseline="0" dirty="0">
+              <a:ln>
+                <a:noFill/>
+              </a:ln>
+              <a:solidFill>
+                <a:srgbClr val="660E7A"/>
+              </a:solidFill>
+              <a:effectLst/>
+              <a:latin typeface="Courier New" panose="02070309020205020404" pitchFamily="49" charset="0"/>
+              <a:cs typeface="Courier New" panose="02070309020205020404" pitchFamily="49" charset="0"/>
+            </a:rPr>
+            <a:t>"</a:t>
+          </a:r>
+          <a:r>
+            <a:rPr kumimoji="0" lang="de-DE" altLang="de-DE" sz="800" b="1" i="0" u="none" strike="noStrike" cap="none" normalizeH="0" baseline="0" dirty="0" err="1">
+              <a:ln>
+                <a:noFill/>
+              </a:ln>
+              <a:solidFill>
+                <a:srgbClr val="660E7A"/>
+              </a:solidFill>
+              <a:effectLst/>
               <a:latin typeface="Courier New" panose="02070309020205020404" pitchFamily="49" charset="0"/>
               <a:cs typeface="Courier New" panose="02070309020205020404" pitchFamily="49" charset="0"/>
             </a:rPr>
             <a:t>id</a:t>
           </a:r>
           <a:r>
-            <a:rPr lang="de-DE" sz="800" b="0" i="0" dirty="0">
-              <a:latin typeface="Courier New" panose="02070309020205020404" pitchFamily="49" charset="0"/>
-              <a:cs typeface="Courier New" panose="02070309020205020404" pitchFamily="49" charset="0"/>
-            </a:rPr>
-            <a:t>" : "feee09f0-b6c0-0f93-ee64-1c22364a2630",</a:t>
+            <a:rPr kumimoji="0" lang="de-DE" altLang="de-DE" sz="800" b="1" i="0" u="none" strike="noStrike" cap="none" normalizeH="0" baseline="0" dirty="0">
+              <a:ln>
+                <a:noFill/>
+              </a:ln>
+              <a:solidFill>
+                <a:srgbClr val="660E7A"/>
+              </a:solidFill>
+              <a:effectLst/>
+              <a:latin typeface="Courier New" panose="02070309020205020404" pitchFamily="49" charset="0"/>
+              <a:cs typeface="Courier New" panose="02070309020205020404" pitchFamily="49" charset="0"/>
+            </a:rPr>
+            <a:t>" </a:t>
+          </a:r>
+          <a:r>
+            <a:rPr kumimoji="0" lang="de-DE" altLang="de-DE" sz="800" b="0" i="0" u="none" strike="noStrike" cap="none" normalizeH="0" baseline="0" dirty="0">
+              <a:ln>
+                <a:noFill/>
+              </a:ln>
+              <a:solidFill>
+                <a:srgbClr val="000000"/>
+              </a:solidFill>
+              <a:effectLst/>
+              <a:latin typeface="Courier New" panose="02070309020205020404" pitchFamily="49" charset="0"/>
+              <a:cs typeface="Courier New" panose="02070309020205020404" pitchFamily="49" charset="0"/>
+            </a:rPr>
+            <a:t>: </a:t>
+          </a:r>
+          <a:r>
+            <a:rPr kumimoji="0" lang="de-DE" altLang="de-DE" sz="800" b="1" i="0" u="none" strike="noStrike" cap="none" normalizeH="0" baseline="0" dirty="0">
+              <a:ln>
+                <a:noFill/>
+              </a:ln>
+              <a:solidFill>
+                <a:srgbClr val="008000"/>
+              </a:solidFill>
+              <a:effectLst/>
+              <a:latin typeface="Courier New" panose="02070309020205020404" pitchFamily="49" charset="0"/>
+              <a:cs typeface="Courier New" panose="02070309020205020404" pitchFamily="49" charset="0"/>
+            </a:rPr>
+            <a:t>"feee09f0-b6c0-0f93-ee64-1c22364a2630"</a:t>
+          </a:r>
+          <a:r>
+            <a:rPr kumimoji="0" lang="de-DE" altLang="de-DE" sz="800" b="0" i="0" u="none" strike="noStrike" cap="none" normalizeH="0" baseline="0" dirty="0">
+              <a:ln>
+                <a:noFill/>
+              </a:ln>
+              <a:solidFill>
+                <a:srgbClr val="000000"/>
+              </a:solidFill>
+              <a:effectLst/>
+              <a:latin typeface="Courier New" panose="02070309020205020404" pitchFamily="49" charset="0"/>
+              <a:cs typeface="Courier New" panose="02070309020205020404" pitchFamily="49" charset="0"/>
+            </a:rPr>
+            <a:t>,</a:t>
           </a:r>
           <a:br>
-            <a:rPr lang="de-DE" sz="800" b="0" i="0" dirty="0">
+            <a:rPr kumimoji="0" lang="de-DE" altLang="de-DE" sz="800" b="0" i="0" u="none" strike="noStrike" cap="none" normalizeH="0" baseline="0" dirty="0">
+              <a:ln>
+                <a:noFill/>
+              </a:ln>
+              <a:solidFill>
+                <a:srgbClr val="000000"/>
+              </a:solidFill>
+              <a:effectLst/>
               <a:latin typeface="Courier New" panose="02070309020205020404" pitchFamily="49" charset="0"/>
               <a:cs typeface="Courier New" panose="02070309020205020404" pitchFamily="49" charset="0"/>
             </a:rPr>
           </a:br>
           <a:r>
-            <a:rPr lang="de-DE" sz="800" b="0" i="0" dirty="0">
-              <a:latin typeface="Courier New" panose="02070309020205020404" pitchFamily="49" charset="0"/>
-              <a:cs typeface="Courier New" panose="02070309020205020404" pitchFamily="49" charset="0"/>
-            </a:rPr>
-            <a:t>  "</a:t>
-          </a:r>
-          <a:r>
-            <a:rPr lang="de-DE" sz="800" b="0" i="0" dirty="0" err="1">
+            <a:rPr kumimoji="0" lang="de-DE" altLang="de-DE" sz="800" b="0" i="0" u="none" strike="noStrike" cap="none" normalizeH="0" baseline="0" dirty="0">
+              <a:ln>
+                <a:noFill/>
+              </a:ln>
+              <a:solidFill>
+                <a:srgbClr val="000000"/>
+              </a:solidFill>
+              <a:effectLst/>
+              <a:latin typeface="Courier New" panose="02070309020205020404" pitchFamily="49" charset="0"/>
+              <a:cs typeface="Courier New" panose="02070309020205020404" pitchFamily="49" charset="0"/>
+            </a:rPr>
+            <a:t>  </a:t>
+          </a:r>
+          <a:r>
+            <a:rPr kumimoji="0" lang="de-DE" altLang="de-DE" sz="800" b="1" i="0" u="none" strike="noStrike" cap="none" normalizeH="0" baseline="0" dirty="0">
+              <a:ln>
+                <a:noFill/>
+              </a:ln>
+              <a:solidFill>
+                <a:srgbClr val="660E7A"/>
+              </a:solidFill>
+              <a:effectLst/>
+              <a:latin typeface="Courier New" panose="02070309020205020404" pitchFamily="49" charset="0"/>
+              <a:cs typeface="Courier New" panose="02070309020205020404" pitchFamily="49" charset="0"/>
+            </a:rPr>
+            <a:t>"</a:t>
+          </a:r>
+          <a:r>
+            <a:rPr kumimoji="0" lang="de-DE" altLang="de-DE" sz="800" b="1" i="0" u="none" strike="noStrike" cap="none" normalizeH="0" baseline="0" dirty="0" err="1">
+              <a:ln>
+                <a:noFill/>
+              </a:ln>
+              <a:solidFill>
+                <a:srgbClr val="660E7A"/>
+              </a:solidFill>
+              <a:effectLst/>
               <a:latin typeface="Courier New" panose="02070309020205020404" pitchFamily="49" charset="0"/>
               <a:cs typeface="Courier New" panose="02070309020205020404" pitchFamily="49" charset="0"/>
             </a:rPr>
             <a:t>attr</a:t>
           </a:r>
           <a:r>
-            <a:rPr lang="de-DE" sz="800" b="0" i="0" dirty="0">
-              <a:latin typeface="Courier New" panose="02070309020205020404" pitchFamily="49" charset="0"/>
-              <a:cs typeface="Courier New" panose="02070309020205020404" pitchFamily="49" charset="0"/>
-            </a:rPr>
-            <a:t>" : {</a:t>
+            <a:rPr kumimoji="0" lang="de-DE" altLang="de-DE" sz="800" b="1" i="0" u="none" strike="noStrike" cap="none" normalizeH="0" baseline="0" dirty="0">
+              <a:ln>
+                <a:noFill/>
+              </a:ln>
+              <a:solidFill>
+                <a:srgbClr val="660E7A"/>
+              </a:solidFill>
+              <a:effectLst/>
+              <a:latin typeface="Courier New" panose="02070309020205020404" pitchFamily="49" charset="0"/>
+              <a:cs typeface="Courier New" panose="02070309020205020404" pitchFamily="49" charset="0"/>
+            </a:rPr>
+            <a:t>" </a:t>
+          </a:r>
+          <a:r>
+            <a:rPr kumimoji="0" lang="de-DE" altLang="de-DE" sz="800" b="0" i="0" u="none" strike="noStrike" cap="none" normalizeH="0" baseline="0" dirty="0">
+              <a:ln>
+                <a:noFill/>
+              </a:ln>
+              <a:solidFill>
+                <a:srgbClr val="000000"/>
+              </a:solidFill>
+              <a:effectLst/>
+              <a:latin typeface="Courier New" panose="02070309020205020404" pitchFamily="49" charset="0"/>
+              <a:cs typeface="Courier New" panose="02070309020205020404" pitchFamily="49" charset="0"/>
+            </a:rPr>
+            <a:t>: {</a:t>
           </a:r>
           <a:br>
-            <a:rPr lang="de-DE" sz="800" b="0" i="0" dirty="0">
+            <a:rPr kumimoji="0" lang="de-DE" altLang="de-DE" sz="800" b="0" i="0" u="none" strike="noStrike" cap="none" normalizeH="0" baseline="0" dirty="0">
+              <a:ln>
+                <a:noFill/>
+              </a:ln>
+              <a:solidFill>
+                <a:srgbClr val="000000"/>
+              </a:solidFill>
+              <a:effectLst/>
               <a:latin typeface="Courier New" panose="02070309020205020404" pitchFamily="49" charset="0"/>
               <a:cs typeface="Courier New" panose="02070309020205020404" pitchFamily="49" charset="0"/>
             </a:rPr>
           </a:br>
           <a:r>
-            <a:rPr lang="de-DE" sz="800" b="0" i="0" dirty="0">
-              <a:latin typeface="Courier New" panose="02070309020205020404" pitchFamily="49" charset="0"/>
-              <a:cs typeface="Courier New" panose="02070309020205020404" pitchFamily="49" charset="0"/>
-            </a:rPr>
-            <a:t>    "v" : "</a:t>
-          </a:r>
-          <a:r>
-            <a:rPr lang="de-DE" sz="800" b="0" i="0" dirty="0" err="1">
+            <a:rPr kumimoji="0" lang="de-DE" altLang="de-DE" sz="800" b="0" i="0" u="none" strike="noStrike" cap="none" normalizeH="0" baseline="0" dirty="0">
+              <a:ln>
+                <a:noFill/>
+              </a:ln>
+              <a:solidFill>
+                <a:srgbClr val="000000"/>
+              </a:solidFill>
+              <a:effectLst/>
+              <a:latin typeface="Courier New" panose="02070309020205020404" pitchFamily="49" charset="0"/>
+              <a:cs typeface="Courier New" panose="02070309020205020404" pitchFamily="49" charset="0"/>
+            </a:rPr>
+            <a:t>    </a:t>
+          </a:r>
+          <a:r>
+            <a:rPr kumimoji="0" lang="de-DE" altLang="de-DE" sz="800" b="1" i="0" u="none" strike="noStrike" cap="none" normalizeH="0" baseline="0" dirty="0">
+              <a:ln>
+                <a:noFill/>
+              </a:ln>
+              <a:solidFill>
+                <a:srgbClr val="660E7A"/>
+              </a:solidFill>
+              <a:effectLst/>
+              <a:latin typeface="Courier New" panose="02070309020205020404" pitchFamily="49" charset="0"/>
+              <a:cs typeface="Courier New" panose="02070309020205020404" pitchFamily="49" charset="0"/>
+            </a:rPr>
+            <a:t>"v" </a:t>
+          </a:r>
+          <a:r>
+            <a:rPr kumimoji="0" lang="de-DE" altLang="de-DE" sz="800" b="0" i="0" u="none" strike="noStrike" cap="none" normalizeH="0" baseline="0" dirty="0">
+              <a:ln>
+                <a:noFill/>
+              </a:ln>
+              <a:solidFill>
+                <a:srgbClr val="000000"/>
+              </a:solidFill>
+              <a:effectLst/>
+              <a:latin typeface="Courier New" panose="02070309020205020404" pitchFamily="49" charset="0"/>
+              <a:cs typeface="Courier New" panose="02070309020205020404" pitchFamily="49" charset="0"/>
+            </a:rPr>
+            <a:t>: </a:t>
+          </a:r>
+          <a:r>
+            <a:rPr kumimoji="0" lang="de-DE" altLang="de-DE" sz="800" b="1" i="0" u="none" strike="noStrike" cap="none" normalizeH="0" baseline="0" dirty="0">
+              <a:ln>
+                <a:noFill/>
+              </a:ln>
+              <a:solidFill>
+                <a:srgbClr val="008000"/>
+              </a:solidFill>
+              <a:effectLst/>
+              <a:latin typeface="Courier New" panose="02070309020205020404" pitchFamily="49" charset="0"/>
+              <a:cs typeface="Courier New" panose="02070309020205020404" pitchFamily="49" charset="0"/>
+            </a:rPr>
+            <a:t>"</a:t>
+          </a:r>
+          <a:r>
+            <a:rPr kumimoji="0" lang="de-DE" altLang="de-DE" sz="800" b="1" i="0" u="none" strike="noStrike" cap="none" normalizeH="0" baseline="0" dirty="0" err="1">
+              <a:ln>
+                <a:noFill/>
+              </a:ln>
+              <a:solidFill>
+                <a:srgbClr val="008000"/>
+              </a:solidFill>
+              <a:effectLst/>
               <a:latin typeface="Courier New" panose="02070309020205020404" pitchFamily="49" charset="0"/>
               <a:cs typeface="Courier New" panose="02070309020205020404" pitchFamily="49" charset="0"/>
             </a:rPr>
             <a:t>adad</a:t>
           </a:r>
           <a:r>
-            <a:rPr lang="de-DE" sz="800" b="0" i="0" dirty="0">
+            <a:rPr kumimoji="0" lang="de-DE" altLang="de-DE" sz="800" b="1" i="0" u="none" strike="noStrike" cap="none" normalizeH="0" baseline="0" dirty="0">
+              <a:ln>
+                <a:noFill/>
+              </a:ln>
+              <a:solidFill>
+                <a:srgbClr val="008000"/>
+              </a:solidFill>
+              <a:effectLst/>
               <a:latin typeface="Courier New" panose="02070309020205020404" pitchFamily="49" charset="0"/>
               <a:cs typeface="Courier New" panose="02070309020205020404" pitchFamily="49" charset="0"/>
             </a:rPr>
             <a:t>"</a:t>
           </a:r>
           <a:br>
-            <a:rPr lang="de-DE" sz="800" b="0" i="0" dirty="0">
+            <a:rPr kumimoji="0" lang="de-DE" altLang="de-DE" sz="800" b="1" i="0" u="none" strike="noStrike" cap="none" normalizeH="0" baseline="0" dirty="0">
+              <a:ln>
+                <a:noFill/>
+              </a:ln>
+              <a:solidFill>
+                <a:srgbClr val="008000"/>
+              </a:solidFill>
+              <a:effectLst/>
               <a:latin typeface="Courier New" panose="02070309020205020404" pitchFamily="49" charset="0"/>
               <a:cs typeface="Courier New" panose="02070309020205020404" pitchFamily="49" charset="0"/>
             </a:rPr>
           </a:br>
           <a:r>
-            <a:rPr lang="de-DE" sz="800" b="0" i="0" dirty="0">
-              <a:latin typeface="Courier New" panose="02070309020205020404" pitchFamily="49" charset="0"/>
-              <a:cs typeface="Courier New" panose="02070309020205020404" pitchFamily="49" charset="0"/>
-            </a:rPr>
-            <a:t>  }</a:t>
-          </a:r>
-          <a:br>
-            <a:rPr lang="de-DE" sz="800" b="0" i="0" dirty="0"/>
-          </a:br>
-          <a:r>
-            <a:rPr lang="de-DE" sz="800" b="0" i="0" dirty="0"/>
+            <a:rPr kumimoji="0" lang="de-DE" altLang="de-DE" sz="800" b="1" i="0" u="none" strike="noStrike" cap="none" normalizeH="0" baseline="0" dirty="0">
+              <a:ln>
+                <a:noFill/>
+              </a:ln>
+              <a:solidFill>
+                <a:srgbClr val="008000"/>
+              </a:solidFill>
+              <a:effectLst/>
+              <a:latin typeface="Courier New" panose="02070309020205020404" pitchFamily="49" charset="0"/>
+              <a:cs typeface="Courier New" panose="02070309020205020404" pitchFamily="49" charset="0"/>
+            </a:rPr>
+            <a:t>  </a:t>
+          </a:r>
+          <a:r>
+            <a:rPr kumimoji="0" lang="de-DE" altLang="de-DE" sz="800" b="0" i="0" u="none" strike="noStrike" cap="none" normalizeH="0" baseline="0" dirty="0">
+              <a:ln>
+                <a:noFill/>
+              </a:ln>
+              <a:solidFill>
+                <a:srgbClr val="000000"/>
+              </a:solidFill>
+              <a:effectLst/>
+              <a:latin typeface="Courier New" panose="02070309020205020404" pitchFamily="49" charset="0"/>
+              <a:cs typeface="Courier New" panose="02070309020205020404" pitchFamily="49" charset="0"/>
+            </a:rPr>
             <a:t>}</a:t>
           </a:r>
+          <a:endParaRPr lang="de-DE" sz="800" b="0" i="0" dirty="0"/>
         </a:p>
       </dgm:t>
     </dgm:pt>
@@ -1153,61 +1495,346 @@
             <a:buNone/>
           </a:pPr>
           <a:r>
-            <a:rPr lang="de-DE" sz="800" b="0" i="0" dirty="0" err="1">
+            <a:rPr kumimoji="0" lang="de-DE" altLang="de-DE" sz="800" b="1" i="0" u="none" strike="noStrike" cap="none" normalizeH="0" baseline="0" dirty="0" err="1">
+              <a:ln>
+                <a:noFill/>
+              </a:ln>
+              <a:solidFill>
+                <a:srgbClr val="000080"/>
+              </a:solidFill>
+              <a:effectLst/>
               <a:latin typeface="Courier New" panose="02070309020205020404" pitchFamily="49" charset="0"/>
               <a:cs typeface="Courier New" panose="02070309020205020404" pitchFamily="49" charset="0"/>
             </a:rPr>
             <a:t>public</a:t>
           </a:r>
           <a:r>
-            <a:rPr lang="de-DE" sz="800" b="0" i="0" dirty="0">
+            <a:rPr kumimoji="0" lang="de-DE" altLang="de-DE" sz="800" b="1" i="0" u="none" strike="noStrike" cap="none" normalizeH="0" baseline="0" dirty="0">
+              <a:ln>
+                <a:noFill/>
+              </a:ln>
+              <a:solidFill>
+                <a:srgbClr val="000080"/>
+              </a:solidFill>
+              <a:effectLst/>
               <a:latin typeface="Courier New" panose="02070309020205020404" pitchFamily="49" charset="0"/>
               <a:cs typeface="Courier New" panose="02070309020205020404" pitchFamily="49" charset="0"/>
             </a:rPr>
             <a:t> </a:t>
           </a:r>
           <a:r>
-            <a:rPr lang="de-DE" sz="800" b="0" i="0" dirty="0" err="1">
+            <a:rPr kumimoji="0" lang="de-DE" altLang="de-DE" sz="800" b="1" i="0" u="none" strike="noStrike" cap="none" normalizeH="0" baseline="0" dirty="0" err="1">
+              <a:ln>
+                <a:noFill/>
+              </a:ln>
+              <a:solidFill>
+                <a:srgbClr val="000080"/>
+              </a:solidFill>
+              <a:effectLst/>
               <a:latin typeface="Courier New" panose="02070309020205020404" pitchFamily="49" charset="0"/>
               <a:cs typeface="Courier New" panose="02070309020205020404" pitchFamily="49" charset="0"/>
             </a:rPr>
             <a:t>class</a:t>
           </a:r>
           <a:r>
-            <a:rPr lang="de-DE" sz="800" b="0" i="0" dirty="0">
+            <a:rPr kumimoji="0" lang="de-DE" altLang="de-DE" sz="800" b="1" i="0" u="none" strike="noStrike" cap="none" normalizeH="0" baseline="0" dirty="0">
+              <a:ln>
+                <a:noFill/>
+              </a:ln>
+              <a:solidFill>
+                <a:srgbClr val="000080"/>
+              </a:solidFill>
+              <a:effectLst/>
               <a:latin typeface="Courier New" panose="02070309020205020404" pitchFamily="49" charset="0"/>
               <a:cs typeface="Courier New" panose="02070309020205020404" pitchFamily="49" charset="0"/>
             </a:rPr>
             <a:t> </a:t>
           </a:r>
           <a:r>
-            <a:rPr lang="de-DE" sz="800" b="0" i="0" dirty="0" err="1">
+            <a:rPr kumimoji="0" lang="de-DE" altLang="de-DE" sz="800" b="0" i="0" u="none" strike="noStrike" cap="none" normalizeH="0" baseline="0" dirty="0" err="1">
+              <a:ln>
+                <a:noFill/>
+              </a:ln>
+              <a:solidFill>
+                <a:srgbClr val="000000"/>
+              </a:solidFill>
+              <a:effectLst/>
               <a:latin typeface="Courier New" panose="02070309020205020404" pitchFamily="49" charset="0"/>
               <a:cs typeface="Courier New" panose="02070309020205020404" pitchFamily="49" charset="0"/>
             </a:rPr>
             <a:t>ExampleFactory</a:t>
           </a:r>
           <a:r>
-            <a:rPr lang="de-DE" sz="800" b="0" i="0" dirty="0">
+            <a:rPr kumimoji="0" lang="de-DE" altLang="de-DE" sz="800" b="0" i="0" u="none" strike="noStrike" cap="none" normalizeH="0" baseline="0" dirty="0">
+              <a:ln>
+                <a:noFill/>
+              </a:ln>
+              <a:solidFill>
+                <a:srgbClr val="000000"/>
+              </a:solidFill>
+              <a:effectLst/>
               <a:latin typeface="Courier New" panose="02070309020205020404" pitchFamily="49" charset="0"/>
               <a:cs typeface="Courier New" panose="02070309020205020404" pitchFamily="49" charset="0"/>
             </a:rPr>
             <a:t> </a:t>
           </a:r>
           <a:r>
-            <a:rPr lang="de-DE" sz="800" b="0" i="0" dirty="0" err="1">
+            <a:rPr kumimoji="0" lang="de-DE" altLang="de-DE" sz="800" b="1" i="0" u="none" strike="noStrike" cap="none" normalizeH="0" baseline="0" dirty="0" err="1">
+              <a:ln>
+                <a:noFill/>
+              </a:ln>
+              <a:solidFill>
+                <a:srgbClr val="000080"/>
+              </a:solidFill>
+              <a:effectLst/>
               <a:latin typeface="Courier New" panose="02070309020205020404" pitchFamily="49" charset="0"/>
               <a:cs typeface="Courier New" panose="02070309020205020404" pitchFamily="49" charset="0"/>
             </a:rPr>
             <a:t>extends</a:t>
           </a:r>
           <a:r>
-            <a:rPr lang="de-DE" sz="800" b="0" i="0" dirty="0">
-              <a:latin typeface="Courier New" panose="02070309020205020404" pitchFamily="49" charset="0"/>
-              <a:cs typeface="Courier New" panose="02070309020205020404" pitchFamily="49" charset="0"/>
-            </a:rPr>
-            <a:t> …{</a:t>
-          </a:r>
+            <a:rPr kumimoji="0" lang="de-DE" altLang="de-DE" sz="800" b="1" i="0" u="none" strike="noStrike" cap="none" normalizeH="0" baseline="0" dirty="0">
+              <a:ln>
+                <a:noFill/>
+              </a:ln>
+              <a:solidFill>
+                <a:srgbClr val="000080"/>
+              </a:solidFill>
+              <a:effectLst/>
+              <a:latin typeface="Courier New" panose="02070309020205020404" pitchFamily="49" charset="0"/>
+              <a:cs typeface="Courier New" panose="02070309020205020404" pitchFamily="49" charset="0"/>
+            </a:rPr>
+            <a:t> </a:t>
+          </a:r>
+          <a:r>
+            <a:rPr kumimoji="0" lang="de-DE" altLang="de-DE" sz="800" b="0" i="0" u="none" strike="noStrike" cap="none" normalizeH="0" baseline="0" dirty="0">
+              <a:ln>
+                <a:noFill/>
+              </a:ln>
+              <a:solidFill>
+                <a:srgbClr val="000000"/>
+              </a:solidFill>
+              <a:effectLst/>
+              <a:latin typeface="Courier New" panose="02070309020205020404" pitchFamily="49" charset="0"/>
+              <a:cs typeface="Courier New" panose="02070309020205020404" pitchFamily="49" charset="0"/>
+            </a:rPr>
+            <a:t>…{</a:t>
+          </a:r>
+          <a:br>
+            <a:rPr kumimoji="0" lang="de-DE" altLang="de-DE" sz="800" b="0" i="0" u="none" strike="noStrike" cap="none" normalizeH="0" baseline="0" dirty="0">
+              <a:ln>
+                <a:noFill/>
+              </a:ln>
+              <a:solidFill>
+                <a:srgbClr val="000000"/>
+              </a:solidFill>
+              <a:effectLst/>
+              <a:latin typeface="Courier New" panose="02070309020205020404" pitchFamily="49" charset="0"/>
+              <a:cs typeface="Courier New" panose="02070309020205020404" pitchFamily="49" charset="0"/>
+            </a:rPr>
+          </a:br>
+          <a:r>
+            <a:rPr kumimoji="0" lang="de-DE" altLang="de-DE" sz="800" b="0" i="0" u="none" strike="noStrike" cap="none" normalizeH="0" baseline="0" dirty="0">
+              <a:ln>
+                <a:noFill/>
+              </a:ln>
+              <a:solidFill>
+                <a:srgbClr val="000000"/>
+              </a:solidFill>
+              <a:effectLst/>
+              <a:latin typeface="Courier New" panose="02070309020205020404" pitchFamily="49" charset="0"/>
+              <a:cs typeface="Courier New" panose="02070309020205020404" pitchFamily="49" charset="0"/>
+            </a:rPr>
+            <a:t>    </a:t>
+          </a:r>
+          <a:r>
+            <a:rPr kumimoji="0" lang="de-DE" altLang="de-DE" sz="800" b="1" i="0" u="none" strike="noStrike" cap="none" normalizeH="0" baseline="0" dirty="0" err="1">
+              <a:ln>
+                <a:noFill/>
+              </a:ln>
+              <a:solidFill>
+                <a:srgbClr val="000080"/>
+              </a:solidFill>
+              <a:effectLst/>
+              <a:latin typeface="Courier New" panose="02070309020205020404" pitchFamily="49" charset="0"/>
+              <a:cs typeface="Courier New" panose="02070309020205020404" pitchFamily="49" charset="0"/>
+            </a:rPr>
+            <a:t>public</a:t>
+          </a:r>
+          <a:r>
+            <a:rPr kumimoji="0" lang="de-DE" altLang="de-DE" sz="800" b="1" i="0" u="none" strike="noStrike" cap="none" normalizeH="0" baseline="0" dirty="0">
+              <a:ln>
+                <a:noFill/>
+              </a:ln>
+              <a:solidFill>
+                <a:srgbClr val="000080"/>
+              </a:solidFill>
+              <a:effectLst/>
+              <a:latin typeface="Courier New" panose="02070309020205020404" pitchFamily="49" charset="0"/>
+              <a:cs typeface="Courier New" panose="02070309020205020404" pitchFamily="49" charset="0"/>
+            </a:rPr>
+            <a:t> final </a:t>
+          </a:r>
+          <a:r>
+            <a:rPr kumimoji="0" lang="de-DE" altLang="de-DE" sz="800" b="0" i="0" u="none" strike="noStrike" cap="none" normalizeH="0" baseline="0" dirty="0" err="1">
+              <a:ln>
+                <a:noFill/>
+              </a:ln>
+              <a:solidFill>
+                <a:srgbClr val="000000"/>
+              </a:solidFill>
+              <a:effectLst/>
+              <a:latin typeface="Courier New" panose="02070309020205020404" pitchFamily="49" charset="0"/>
+              <a:cs typeface="Courier New" panose="02070309020205020404" pitchFamily="49" charset="0"/>
+            </a:rPr>
+            <a:t>StringAttribute</a:t>
+          </a:r>
+          <a:r>
+            <a:rPr kumimoji="0" lang="de-DE" altLang="de-DE" sz="800" b="0" i="0" u="none" strike="noStrike" cap="none" normalizeH="0" baseline="0" dirty="0">
+              <a:ln>
+                <a:noFill/>
+              </a:ln>
+              <a:solidFill>
+                <a:srgbClr val="000000"/>
+              </a:solidFill>
+              <a:effectLst/>
+              <a:latin typeface="Courier New" panose="02070309020205020404" pitchFamily="49" charset="0"/>
+              <a:cs typeface="Courier New" panose="02070309020205020404" pitchFamily="49" charset="0"/>
+            </a:rPr>
+            <a:t> </a:t>
+          </a:r>
+          <a:r>
+            <a:rPr kumimoji="0" lang="de-DE" altLang="de-DE" sz="800" b="1" i="0" u="none" strike="noStrike" cap="none" normalizeH="0" baseline="0" dirty="0" err="1">
+              <a:ln>
+                <a:noFill/>
+              </a:ln>
+              <a:solidFill>
+                <a:srgbClr val="660E7A"/>
+              </a:solidFill>
+              <a:effectLst/>
+              <a:latin typeface="Courier New" panose="02070309020205020404" pitchFamily="49" charset="0"/>
+              <a:cs typeface="Courier New" panose="02070309020205020404" pitchFamily="49" charset="0"/>
+            </a:rPr>
+            <a:t>attr</a:t>
+          </a:r>
+          <a:r>
+            <a:rPr kumimoji="0" lang="de-DE" altLang="de-DE" sz="800" b="1" i="0" u="none" strike="noStrike" cap="none" normalizeH="0" baseline="0" dirty="0">
+              <a:ln>
+                <a:noFill/>
+              </a:ln>
+              <a:solidFill>
+                <a:srgbClr val="660E7A"/>
+              </a:solidFill>
+              <a:effectLst/>
+              <a:latin typeface="Courier New" panose="02070309020205020404" pitchFamily="49" charset="0"/>
+              <a:cs typeface="Courier New" panose="02070309020205020404" pitchFamily="49" charset="0"/>
+            </a:rPr>
+            <a:t> </a:t>
+          </a:r>
+          <a:r>
+            <a:rPr kumimoji="0" lang="de-DE" altLang="de-DE" sz="800" b="0" i="0" u="none" strike="noStrike" cap="none" normalizeH="0" baseline="0" dirty="0">
+              <a:ln>
+                <a:noFill/>
+              </a:ln>
+              <a:solidFill>
+                <a:srgbClr val="000000"/>
+              </a:solidFill>
+              <a:effectLst/>
+              <a:latin typeface="Courier New" panose="02070309020205020404" pitchFamily="49" charset="0"/>
+              <a:cs typeface="Courier New" panose="02070309020205020404" pitchFamily="49" charset="0"/>
+            </a:rPr>
+            <a:t>= </a:t>
+          </a:r>
+          <a:r>
+            <a:rPr kumimoji="0" lang="de-DE" altLang="de-DE" sz="800" b="1" i="0" u="none" strike="noStrike" cap="none" normalizeH="0" baseline="0" dirty="0" err="1">
+              <a:ln>
+                <a:noFill/>
+              </a:ln>
+              <a:solidFill>
+                <a:srgbClr val="000080"/>
+              </a:solidFill>
+              <a:effectLst/>
+              <a:latin typeface="Courier New" panose="02070309020205020404" pitchFamily="49" charset="0"/>
+              <a:cs typeface="Courier New" panose="02070309020205020404" pitchFamily="49" charset="0"/>
+            </a:rPr>
+            <a:t>new</a:t>
+          </a:r>
+          <a:r>
+            <a:rPr kumimoji="0" lang="de-DE" altLang="de-DE" sz="800" b="1" i="0" u="none" strike="noStrike" cap="none" normalizeH="0" baseline="0" dirty="0">
+              <a:ln>
+                <a:noFill/>
+              </a:ln>
+              <a:solidFill>
+                <a:srgbClr val="000080"/>
+              </a:solidFill>
+              <a:effectLst/>
+              <a:latin typeface="Courier New" panose="02070309020205020404" pitchFamily="49" charset="0"/>
+              <a:cs typeface="Courier New" panose="02070309020205020404" pitchFamily="49" charset="0"/>
+            </a:rPr>
+            <a:t>   </a:t>
+          </a:r>
+          <a:r>
+            <a:rPr kumimoji="0" lang="de-DE" altLang="de-DE" sz="800" b="0" i="0" u="none" strike="noStrike" cap="none" normalizeH="0" baseline="0" dirty="0" err="1">
+              <a:ln>
+                <a:noFill/>
+              </a:ln>
+              <a:solidFill>
+                <a:srgbClr val="000000"/>
+              </a:solidFill>
+              <a:effectLst/>
+              <a:latin typeface="Courier New" panose="02070309020205020404" pitchFamily="49" charset="0"/>
+              <a:cs typeface="Courier New" panose="02070309020205020404" pitchFamily="49" charset="0"/>
+            </a:rPr>
+            <a:t>StringAttribute</a:t>
+          </a:r>
+          <a:r>
+            <a:rPr kumimoji="0" lang="de-DE" altLang="de-DE" sz="800" b="0" i="0" u="none" strike="noStrike" cap="none" normalizeH="0" baseline="0" dirty="0">
+              <a:ln>
+                <a:noFill/>
+              </a:ln>
+              <a:solidFill>
+                <a:srgbClr val="000000"/>
+              </a:solidFill>
+              <a:effectLst/>
+              <a:latin typeface="Courier New" panose="02070309020205020404" pitchFamily="49" charset="0"/>
+              <a:cs typeface="Courier New" panose="02070309020205020404" pitchFamily="49" charset="0"/>
+            </a:rPr>
+            <a:t>();</a:t>
+          </a:r>
+          <a:br>
+            <a:rPr kumimoji="0" lang="de-DE" altLang="de-DE" sz="800" b="0" i="0" u="none" strike="noStrike" cap="none" normalizeH="0" baseline="0" dirty="0">
+              <a:ln>
+                <a:noFill/>
+              </a:ln>
+              <a:solidFill>
+                <a:srgbClr val="000000"/>
+              </a:solidFill>
+              <a:effectLst/>
+              <a:latin typeface="Courier New" panose="02070309020205020404" pitchFamily="49" charset="0"/>
+              <a:cs typeface="Courier New" panose="02070309020205020404" pitchFamily="49" charset="0"/>
+            </a:rPr>
+          </a:br>
+          <a:r>
+            <a:rPr kumimoji="0" lang="de-DE" altLang="de-DE" sz="800" b="0" i="0" u="none" strike="noStrike" cap="none" normalizeH="0" baseline="0" dirty="0">
+              <a:ln>
+                <a:noFill/>
+              </a:ln>
+              <a:solidFill>
+                <a:srgbClr val="000000"/>
+              </a:solidFill>
+              <a:effectLst/>
+              <a:latin typeface="Courier New" panose="02070309020205020404" pitchFamily="49" charset="0"/>
+              <a:cs typeface="Courier New" panose="02070309020205020404" pitchFamily="49" charset="0"/>
+            </a:rPr>
+            <a:t>}</a:t>
+          </a:r>
+          <a:br>
+            <a:rPr lang="en-US" sz="800" dirty="0"/>
+          </a:br>
+          <a:endParaRPr lang="de-DE" sz="800" b="0" i="0" dirty="0">
+            <a:latin typeface="Courier New" panose="02070309020205020404" pitchFamily="49" charset="0"/>
+            <a:cs typeface="Courier New" panose="02070309020205020404" pitchFamily="49" charset="0"/>
+          </a:endParaRPr>
         </a:p>
       </dgm:t>
     </dgm:pt>
@@ -1241,14 +1868,50 @@
         <a:lstStyle/>
         <a:p>
           <a:r>
-            <a:rPr lang="de-DE" sz="1800" b="1" dirty="0"/>
+            <a:rPr lang="de-DE" sz="1800" b="1" kern="1200" dirty="0">
+              <a:solidFill>
+                <a:prstClr val="black">
+                  <a:hueOff val="0"/>
+                  <a:satOff val="0"/>
+                  <a:lumOff val="0"/>
+                  <a:alphaOff val="0"/>
+                </a:prstClr>
+              </a:solidFill>
+              <a:latin typeface="Calibri" panose="020F0502020204030204"/>
+              <a:ea typeface="+mn-ea"/>
+              <a:cs typeface="+mn-cs"/>
+            </a:rPr>
             <a:t>Data </a:t>
           </a:r>
           <a:r>
-            <a:rPr lang="de-DE" sz="1800" b="1" dirty="0" err="1"/>
-            <a:t>populations</a:t>
-          </a:r>
-          <a:endParaRPr lang="de-DE" sz="1800" dirty="0"/>
+            <a:rPr lang="de-DE" sz="1800" b="1" kern="1200" dirty="0" err="1">
+              <a:solidFill>
+                <a:prstClr val="black">
+                  <a:hueOff val="0"/>
+                  <a:satOff val="0"/>
+                  <a:lumOff val="0"/>
+                  <a:alphaOff val="0"/>
+                </a:prstClr>
+              </a:solidFill>
+              <a:latin typeface="Calibri" panose="020F0502020204030204"/>
+              <a:ea typeface="+mn-ea"/>
+              <a:cs typeface="+mn-cs"/>
+            </a:rPr>
+            <a:t>content</a:t>
+          </a:r>
+          <a:endParaRPr lang="de-DE" sz="1800" b="1" kern="1200" dirty="0">
+            <a:solidFill>
+              <a:prstClr val="black">
+                <a:hueOff val="0"/>
+                <a:satOff val="0"/>
+                <a:lumOff val="0"/>
+                <a:alphaOff val="0"/>
+              </a:prstClr>
+            </a:solidFill>
+            <a:latin typeface="Calibri" panose="020F0502020204030204"/>
+            <a:ea typeface="+mn-ea"/>
+            <a:cs typeface="+mn-cs"/>
+          </a:endParaRPr>
         </a:p>
       </dgm:t>
     </dgm:pt>
@@ -1285,19 +1948,65 @@
             <a:buNone/>
           </a:pPr>
           <a:r>
-            <a:rPr lang="de-DE" sz="800" b="0" i="0" dirty="0" err="1">
+            <a:rPr kumimoji="0" lang="de-DE" altLang="de-DE" sz="800" b="0" i="0" u="none" strike="noStrike" kern="1200" cap="none" normalizeH="0" baseline="0" dirty="0" err="1">
+              <a:ln>
+                <a:noFill/>
+              </a:ln>
+              <a:solidFill>
+                <a:srgbClr val="000000"/>
+              </a:solidFill>
+              <a:effectLst/>
               <a:latin typeface="Courier New" panose="02070309020205020404" pitchFamily="49" charset="0"/>
               <a:cs typeface="Courier New" panose="02070309020205020404" pitchFamily="49" charset="0"/>
             </a:rPr>
             <a:t>factory.attr.set</a:t>
           </a:r>
           <a:r>
-            <a:rPr lang="de-DE" sz="800" b="0" i="0" dirty="0">
-              <a:latin typeface="Courier New" panose="02070309020205020404" pitchFamily="49" charset="0"/>
-              <a:cs typeface="Courier New" panose="02070309020205020404" pitchFamily="49" charset="0"/>
-            </a:rPr>
-            <a:t>("123")</a:t>
-          </a:r>
+            <a:rPr kumimoji="0" lang="de-DE" altLang="de-DE" sz="800" b="0" i="0" u="none" strike="noStrike" kern="1200" cap="none" normalizeH="0" baseline="0" dirty="0">
+              <a:ln>
+                <a:noFill/>
+              </a:ln>
+              <a:solidFill>
+                <a:srgbClr val="000000"/>
+              </a:solidFill>
+              <a:effectLst/>
+              <a:latin typeface="Courier New" panose="02070309020205020404" pitchFamily="49" charset="0"/>
+              <a:cs typeface="Courier New" panose="02070309020205020404" pitchFamily="49" charset="0"/>
+            </a:rPr>
+            <a:t>(</a:t>
+          </a:r>
+          <a:r>
+            <a:rPr kumimoji="0" lang="de-DE" altLang="de-DE" sz="800" b="1" i="0" u="none" strike="noStrike" kern="1200" cap="none" normalizeH="0" baseline="0" dirty="0">
+              <a:ln>
+                <a:noFill/>
+              </a:ln>
+              <a:solidFill>
+                <a:srgbClr val="008000"/>
+              </a:solidFill>
+              <a:effectLst/>
+              <a:latin typeface="Courier New" panose="02070309020205020404" pitchFamily="49" charset="0"/>
+              <a:cs typeface="Courier New" panose="02070309020205020404" pitchFamily="49" charset="0"/>
+            </a:rPr>
+            <a:t>"123"</a:t>
+          </a:r>
+          <a:r>
+            <a:rPr kumimoji="0" lang="de-DE" altLang="de-DE" sz="800" b="0" i="0" u="none" strike="noStrike" kern="1200" cap="none" normalizeH="0" baseline="0" dirty="0">
+              <a:ln>
+                <a:noFill/>
+              </a:ln>
+              <a:solidFill>
+                <a:srgbClr val="000000"/>
+              </a:solidFill>
+              <a:effectLst/>
+              <a:latin typeface="Courier New" panose="02070309020205020404" pitchFamily="49" charset="0"/>
+              <a:cs typeface="Courier New" panose="02070309020205020404" pitchFamily="49" charset="0"/>
+            </a:rPr>
+            <a:t>)</a:t>
+          </a:r>
+          <a:endParaRPr lang="de-DE" sz="800" b="0" i="0" kern="1200" dirty="0">
+            <a:latin typeface="Courier New" panose="02070309020205020404" pitchFamily="49" charset="0"/>
+            <a:cs typeface="Courier New" panose="02070309020205020404" pitchFamily="49" charset="0"/>
+          </a:endParaRPr>
         </a:p>
       </dgm:t>
     </dgm:pt>
@@ -1323,27 +2032,35 @@
         </a:p>
       </dgm:t>
     </dgm:pt>
-    <dgm:pt modelId="{60253105-1913-478A-A471-5ADCB8624CB9}">
+    <dgm:pt modelId="{75AC78B7-8750-41D6-972C-9AD87AF7DED3}">
       <dgm:prSet phldrT="[Text]" custT="1"/>
       <dgm:spPr/>
       <dgm:t>
         <a:bodyPr/>
         <a:lstStyle/>
         <a:p>
-          <a:pPr>
+          <a:pPr algn="l">
             <a:buNone/>
           </a:pPr>
           <a:r>
-            <a:rPr lang="de-DE" sz="800" b="0" i="0" dirty="0">
+            <a:rPr kumimoji="0" lang="de-DE" altLang="de-DE" sz="800" b="0" i="0" u="none" strike="noStrike" cap="none" normalizeH="0" baseline="0" dirty="0">
+              <a:ln>
+                <a:noFill/>
+              </a:ln>
+              <a:solidFill>
+                <a:srgbClr val="000000"/>
+              </a:solidFill>
+              <a:effectLst/>
               <a:latin typeface="Courier New" panose="02070309020205020404" pitchFamily="49" charset="0"/>
               <a:cs typeface="Courier New" panose="02070309020205020404" pitchFamily="49" charset="0"/>
             </a:rPr>
             <a:t>}</a:t>
           </a:r>
+          <a:endParaRPr lang="de-DE" sz="800" b="0" i="0" dirty="0"/>
         </a:p>
       </dgm:t>
     </dgm:pt>
-    <dgm:pt modelId="{9074006D-D8DE-4B52-8794-9FB6FCE172AC}" type="parTrans" cxnId="{0A465E0C-B627-4F2A-AC0B-04977C07238B}">
+    <dgm:pt modelId="{F5C0F697-F385-494C-9041-DB7EB82A7015}" type="parTrans" cxnId="{D110531B-9E9E-4245-A311-3FA2F323504E}">
       <dgm:prSet/>
       <dgm:spPr/>
       <dgm:t>
@@ -1354,119 +2071,7 @@
         </a:p>
       </dgm:t>
     </dgm:pt>
-    <dgm:pt modelId="{25DF1077-793F-4E63-A3AB-87680F505E9F}" type="sibTrans" cxnId="{0A465E0C-B627-4F2A-AC0B-04977C07238B}">
-      <dgm:prSet/>
-      <dgm:spPr/>
-      <dgm:t>
-        <a:bodyPr/>
-        <a:lstStyle/>
-        <a:p>
-          <a:endParaRPr lang="de-DE"/>
-        </a:p>
-      </dgm:t>
-    </dgm:pt>
-    <dgm:pt modelId="{C86CD166-ACE2-49B2-AA18-198482435614}">
-      <dgm:prSet phldrT="[Text]" custT="1"/>
-      <dgm:spPr/>
-      <dgm:t>
-        <a:bodyPr/>
-        <a:lstStyle/>
-        <a:p>
-          <a:pPr>
-            <a:buNone/>
-          </a:pPr>
-          <a:r>
-            <a:rPr lang="de-DE" sz="800" b="0" i="0" dirty="0">
-              <a:latin typeface="Courier New" panose="02070309020205020404" pitchFamily="49" charset="0"/>
-              <a:cs typeface="Courier New" panose="02070309020205020404" pitchFamily="49" charset="0"/>
-            </a:rPr>
-            <a:t>  </a:t>
-          </a:r>
-          <a:r>
-            <a:rPr lang="de-DE" sz="800" b="0" i="0" dirty="0" err="1">
-              <a:latin typeface="Courier New" panose="02070309020205020404" pitchFamily="49" charset="0"/>
-              <a:cs typeface="Courier New" panose="02070309020205020404" pitchFamily="49" charset="0"/>
-            </a:rPr>
-            <a:t>public</a:t>
-          </a:r>
-          <a:r>
-            <a:rPr lang="de-DE" sz="800" b="0" i="0" dirty="0">
-              <a:latin typeface="Courier New" panose="02070309020205020404" pitchFamily="49" charset="0"/>
-              <a:cs typeface="Courier New" panose="02070309020205020404" pitchFamily="49" charset="0"/>
-            </a:rPr>
-            <a:t> final </a:t>
-          </a:r>
-          <a:r>
-            <a:rPr lang="de-DE" sz="800" b="0" i="0" dirty="0" err="1">
-              <a:latin typeface="Courier New" panose="02070309020205020404" pitchFamily="49" charset="0"/>
-              <a:cs typeface="Courier New" panose="02070309020205020404" pitchFamily="49" charset="0"/>
-            </a:rPr>
-            <a:t>StringAttribute</a:t>
-          </a:r>
-          <a:r>
-            <a:rPr lang="de-DE" sz="800" b="0" i="0" dirty="0">
-              <a:latin typeface="Courier New" panose="02070309020205020404" pitchFamily="49" charset="0"/>
-              <a:cs typeface="Courier New" panose="02070309020205020404" pitchFamily="49" charset="0"/>
-            </a:rPr>
-            <a:t> </a:t>
-          </a:r>
-          <a:r>
-            <a:rPr lang="de-DE" sz="800" b="0" i="0" dirty="0" err="1">
-              <a:latin typeface="Courier New" panose="02070309020205020404" pitchFamily="49" charset="0"/>
-              <a:cs typeface="Courier New" panose="02070309020205020404" pitchFamily="49" charset="0"/>
-            </a:rPr>
-            <a:t>attr</a:t>
-          </a:r>
-          <a:r>
-            <a:rPr lang="de-DE" sz="800" b="0" i="0" dirty="0">
-              <a:latin typeface="Courier New" panose="02070309020205020404" pitchFamily="49" charset="0"/>
-              <a:cs typeface="Courier New" panose="02070309020205020404" pitchFamily="49" charset="0"/>
-            </a:rPr>
-            <a:t> = </a:t>
-          </a:r>
-          <a:r>
-            <a:rPr lang="de-DE" sz="800" b="0" i="0" dirty="0" err="1">
-              <a:latin typeface="Courier New" panose="02070309020205020404" pitchFamily="49" charset="0"/>
-              <a:cs typeface="Courier New" panose="02070309020205020404" pitchFamily="49" charset="0"/>
-            </a:rPr>
-            <a:t>new</a:t>
-          </a:r>
-          <a:r>
-            <a:rPr lang="de-DE" sz="800" b="0" i="0" dirty="0">
-              <a:latin typeface="Courier New" panose="02070309020205020404" pitchFamily="49" charset="0"/>
-              <a:cs typeface="Courier New" panose="02070309020205020404" pitchFamily="49" charset="0"/>
-            </a:rPr>
-            <a:t>   </a:t>
-          </a:r>
-          <a:r>
-            <a:rPr lang="de-DE" sz="800" b="0" i="0" dirty="0" err="1">
-              <a:latin typeface="Courier New" panose="02070309020205020404" pitchFamily="49" charset="0"/>
-              <a:cs typeface="Courier New" panose="02070309020205020404" pitchFamily="49" charset="0"/>
-            </a:rPr>
-            <a:t>StringAttribute</a:t>
-          </a:r>
-          <a:r>
-            <a:rPr lang="de-DE" sz="800" b="0" i="0" dirty="0">
-              <a:latin typeface="Courier New" panose="02070309020205020404" pitchFamily="49" charset="0"/>
-              <a:cs typeface="Courier New" panose="02070309020205020404" pitchFamily="49" charset="0"/>
-            </a:rPr>
-            <a:t>();</a:t>
-          </a:r>
-        </a:p>
-      </dgm:t>
-    </dgm:pt>
-    <dgm:pt modelId="{E6FDF185-90B4-49CF-9AF8-51C5D5F65D34}" type="parTrans" cxnId="{1C8EC8E6-B3E3-4D17-BAA4-548C642676E2}">
-      <dgm:prSet/>
-      <dgm:spPr/>
-      <dgm:t>
-        <a:bodyPr/>
-        <a:lstStyle/>
-        <a:p>
-          <a:endParaRPr lang="de-DE"/>
-        </a:p>
-      </dgm:t>
-    </dgm:pt>
-    <dgm:pt modelId="{88C87D48-7E49-4CA5-9D35-D4C88A24310F}" type="sibTrans" cxnId="{1C8EC8E6-B3E3-4D17-BAA4-548C642676E2}">
+    <dgm:pt modelId="{92424160-9A9A-4D09-B112-B917011889A3}" type="sibTrans" cxnId="{D110531B-9E9E-4245-A311-3FA2F323504E}">
       <dgm:prSet/>
       <dgm:spPr/>
       <dgm:t>
@@ -1568,10 +2173,9 @@
     </dgm:pt>
   </dgm:ptLst>
   <dgm:cxnLst>
-    <dgm:cxn modelId="{0A465E0C-B627-4F2A-AC0B-04977C07238B}" srcId="{9E4BEE36-005F-45B8-945D-6CB3280543F7}" destId="{60253105-1913-478A-A471-5ADCB8624CB9}" srcOrd="2" destOrd="0" parTransId="{9074006D-D8DE-4B52-8794-9FB6FCE172AC}" sibTransId="{25DF1077-793F-4E63-A3AB-87680F505E9F}"/>
-    <dgm:cxn modelId="{97A1C92A-5CD1-4E62-B9F6-DC9E800ECE75}" type="presOf" srcId="{60253105-1913-478A-A471-5ADCB8624CB9}" destId="{3AAA5BDD-0414-4B00-89A8-0EDC3AAD5C86}" srcOrd="0" destOrd="3" presId="urn:microsoft.com/office/officeart/2009/3/layout/StepUpProcess"/>
+    <dgm:cxn modelId="{179A3815-97AD-4904-93AA-D4053C31D8B8}" type="presOf" srcId="{75AC78B7-8750-41D6-972C-9AD87AF7DED3}" destId="{F1C32683-0B8D-4322-BCB0-8B4B6CC6F867}" srcOrd="0" destOrd="2" presId="urn:microsoft.com/office/officeart/2009/3/layout/StepUpProcess"/>
+    <dgm:cxn modelId="{D110531B-9E9E-4245-A311-3FA2F323504E}" srcId="{655D1E76-4EBC-4FE6-B5CA-2ADA4AC4BB03}" destId="{75AC78B7-8750-41D6-972C-9AD87AF7DED3}" srcOrd="1" destOrd="0" parTransId="{F5C0F697-F385-494C-9041-DB7EB82A7015}" sibTransId="{92424160-9A9A-4D09-B112-B917011889A3}"/>
     <dgm:cxn modelId="{787B9A2E-B368-471F-BFB3-104EA5FEA55C}" srcId="{9E4BEE36-005F-45B8-945D-6CB3280543F7}" destId="{DC8A3DF5-EDBC-4CD3-99F3-512FE586BF40}" srcOrd="0" destOrd="0" parTransId="{C93B3087-FD5A-4187-B89F-0A84725F03BA}" sibTransId="{6953FBAD-FF9D-4CE4-B134-4C1DA3B9F24C}"/>
-    <dgm:cxn modelId="{B944AB36-891E-43E8-A11E-EE8E31D8B81F}" type="presOf" srcId="{C86CD166-ACE2-49B2-AA18-198482435614}" destId="{3AAA5BDD-0414-4B00-89A8-0EDC3AAD5C86}" srcOrd="0" destOrd="2" presId="urn:microsoft.com/office/officeart/2009/3/layout/StepUpProcess"/>
     <dgm:cxn modelId="{E8C43E45-8840-49EE-91D4-0889D68A0F9A}" type="presOf" srcId="{0751D3E2-8DC7-4567-8652-938C1E31E0D8}" destId="{F1C32683-0B8D-4322-BCB0-8B4B6CC6F867}" srcOrd="0" destOrd="1" presId="urn:microsoft.com/office/officeart/2009/3/layout/StepUpProcess"/>
     <dgm:cxn modelId="{1CD29B50-3A0A-4C02-ABFE-3A9F290D4C5C}" type="presOf" srcId="{68D012EF-57D7-4920-9B39-A98D652D709D}" destId="{3B287E73-89D6-4BD8-A240-DCAB2D4ABAD1}" srcOrd="0" destOrd="0" presId="urn:microsoft.com/office/officeart/2009/3/layout/StepUpProcess"/>
     <dgm:cxn modelId="{F9A1DB54-60A6-48C7-8FA9-F441EB446A46}" srcId="{68D012EF-57D7-4920-9B39-A98D652D709D}" destId="{53349E3B-F08D-4E0B-987E-CEF31764DC5E}" srcOrd="0" destOrd="0" parTransId="{DAC9A57C-C7B3-4805-88CC-F6E729111A48}" sibTransId="{65F9EEB0-7EBD-4F30-91C7-7A1959FCFCE0}"/>
@@ -1581,7 +2185,6 @@
     <dgm:cxn modelId="{2A19BD90-4646-4619-9954-4488CF93CC78}" srcId="{E2AE6B79-2B05-46EA-936C-A48C0F01E33B}" destId="{655D1E76-4EBC-4FE6-B5CA-2ADA4AC4BB03}" srcOrd="0" destOrd="0" parTransId="{1FD8B826-CA7E-4BBA-AFCD-7793582A5EBC}" sibTransId="{6BDEC946-228E-497C-87DB-5E05FBE396D8}"/>
     <dgm:cxn modelId="{AA633F98-A447-41EF-9348-35F8020614F8}" type="presOf" srcId="{9E4BEE36-005F-45B8-945D-6CB3280543F7}" destId="{3AAA5BDD-0414-4B00-89A8-0EDC3AAD5C86}" srcOrd="0" destOrd="0" presId="urn:microsoft.com/office/officeart/2009/3/layout/StepUpProcess"/>
     <dgm:cxn modelId="{57B7DCB4-3E67-4F63-814B-168027A03934}" type="presOf" srcId="{655D1E76-4EBC-4FE6-B5CA-2ADA4AC4BB03}" destId="{F1C32683-0B8D-4322-BCB0-8B4B6CC6F867}" srcOrd="0" destOrd="0" presId="urn:microsoft.com/office/officeart/2009/3/layout/StepUpProcess"/>
-    <dgm:cxn modelId="{1C8EC8E6-B3E3-4D17-BAA4-548C642676E2}" srcId="{9E4BEE36-005F-45B8-945D-6CB3280543F7}" destId="{C86CD166-ACE2-49B2-AA18-198482435614}" srcOrd="1" destOrd="0" parTransId="{E6FDF185-90B4-49CF-9AF8-51C5D5F65D34}" sibTransId="{88C87D48-7E49-4CA5-9D35-D4C88A24310F}"/>
     <dgm:cxn modelId="{541ED1F4-7552-4041-8336-3E170F1E76BC}" type="presOf" srcId="{53349E3B-F08D-4E0B-987E-CEF31764DC5E}" destId="{3B287E73-89D6-4BD8-A240-DCAB2D4ABAD1}" srcOrd="0" destOrd="1" presId="urn:microsoft.com/office/officeart/2009/3/layout/StepUpProcess"/>
     <dgm:cxn modelId="{78903EFC-B5A5-48AA-8642-FB63ACB12C19}" type="presOf" srcId="{E2AE6B79-2B05-46EA-936C-A48C0F01E33B}" destId="{0AB8F639-3A21-4829-BD97-36B3D63F3840}" srcOrd="0" destOrd="0" presId="urn:microsoft.com/office/officeart/2009/3/layout/StepUpProcess"/>
     <dgm:cxn modelId="{193946FD-5902-45F0-BF43-5B5F27908819}" srcId="{E2AE6B79-2B05-46EA-936C-A48C0F01E33B}" destId="{9E4BEE36-005F-45B8-945D-6CB3280543F7}" srcOrd="1" destOrd="0" parTransId="{29A4EDEB-42E5-41F8-9BF8-A0E68A32423B}" sibTransId="{A04A5F98-EC76-47D5-BE78-5A74F26FFFD3}"/>
@@ -1753,154 +2356,520 @@
             <a:buNone/>
           </a:pPr>
           <a:r>
-            <a:rPr lang="de-DE" sz="800" b="0" i="0" kern="1200" dirty="0">
+            <a:rPr kumimoji="0" lang="de-DE" altLang="de-DE" sz="800" b="0" i="0" u="none" strike="noStrike" kern="1200" cap="none" normalizeH="0" baseline="0" dirty="0">
+              <a:ln>
+                <a:noFill/>
+              </a:ln>
+              <a:solidFill>
+                <a:srgbClr val="000000"/>
+              </a:solidFill>
+              <a:effectLst/>
               <a:latin typeface="Courier New" panose="02070309020205020404" pitchFamily="49" charset="0"/>
               <a:cs typeface="Courier New" panose="02070309020205020404" pitchFamily="49" charset="0"/>
             </a:rPr>
             <a:t>{</a:t>
           </a:r>
           <a:br>
-            <a:rPr lang="de-DE" sz="800" b="0" i="0" kern="1200" dirty="0">
+            <a:rPr kumimoji="0" lang="de-DE" altLang="de-DE" sz="800" b="0" i="0" u="none" strike="noStrike" kern="1200" cap="none" normalizeH="0" baseline="0" dirty="0">
+              <a:ln>
+                <a:noFill/>
+              </a:ln>
+              <a:solidFill>
+                <a:srgbClr val="000000"/>
+              </a:solidFill>
+              <a:effectLst/>
               <a:latin typeface="Courier New" panose="02070309020205020404" pitchFamily="49" charset="0"/>
               <a:cs typeface="Courier New" panose="02070309020205020404" pitchFamily="49" charset="0"/>
             </a:rPr>
           </a:br>
           <a:r>
-            <a:rPr lang="de-DE" sz="800" b="0" i="0" kern="1200" dirty="0">
-              <a:latin typeface="Courier New" panose="02070309020205020404" pitchFamily="49" charset="0"/>
-              <a:cs typeface="Courier New" panose="02070309020205020404" pitchFamily="49" charset="0"/>
-            </a:rPr>
-            <a:t>  "@</a:t>
-          </a:r>
-          <a:r>
-            <a:rPr lang="de-DE" sz="800" b="0" i="0" kern="1200" dirty="0" err="1">
+            <a:rPr kumimoji="0" lang="de-DE" altLang="de-DE" sz="800" b="0" i="0" u="none" strike="noStrike" kern="1200" cap="none" normalizeH="0" baseline="0" dirty="0">
+              <a:ln>
+                <a:noFill/>
+              </a:ln>
+              <a:solidFill>
+                <a:srgbClr val="000000"/>
+              </a:solidFill>
+              <a:effectLst/>
+              <a:latin typeface="Courier New" panose="02070309020205020404" pitchFamily="49" charset="0"/>
+              <a:cs typeface="Courier New" panose="02070309020205020404" pitchFamily="49" charset="0"/>
+            </a:rPr>
+            <a:t>  </a:t>
+          </a:r>
+          <a:r>
+            <a:rPr kumimoji="0" lang="de-DE" altLang="de-DE" sz="800" b="1" i="0" u="none" strike="noStrike" kern="1200" cap="none" normalizeH="0" baseline="0" dirty="0">
+              <a:ln>
+                <a:noFill/>
+              </a:ln>
+              <a:solidFill>
+                <a:srgbClr val="660E7A"/>
+              </a:solidFill>
+              <a:effectLst/>
+              <a:latin typeface="Courier New" panose="02070309020205020404" pitchFamily="49" charset="0"/>
+              <a:cs typeface="Courier New" panose="02070309020205020404" pitchFamily="49" charset="0"/>
+            </a:rPr>
+            <a:t>"@</a:t>
+          </a:r>
+          <a:r>
+            <a:rPr kumimoji="0" lang="de-DE" altLang="de-DE" sz="800" b="1" i="0" u="none" strike="noStrike" kern="1200" cap="none" normalizeH="0" baseline="0" dirty="0" err="1">
+              <a:ln>
+                <a:noFill/>
+              </a:ln>
+              <a:solidFill>
+                <a:srgbClr val="660E7A"/>
+              </a:solidFill>
+              <a:effectLst/>
               <a:latin typeface="Courier New" panose="02070309020205020404" pitchFamily="49" charset="0"/>
               <a:cs typeface="Courier New" panose="02070309020205020404" pitchFamily="49" charset="0"/>
             </a:rPr>
             <a:t>class</a:t>
           </a:r>
           <a:r>
-            <a:rPr lang="de-DE" sz="800" b="0" i="0" kern="1200" dirty="0">
-              <a:latin typeface="Courier New" panose="02070309020205020404" pitchFamily="49" charset="0"/>
-              <a:cs typeface="Courier New" panose="02070309020205020404" pitchFamily="49" charset="0"/>
-            </a:rPr>
-            <a:t>" : "</a:t>
-          </a:r>
-          <a:r>
-            <a:rPr lang="de-DE" sz="800" b="0" i="0" kern="1200" dirty="0" err="1">
-              <a:latin typeface="Courier New" panose="02070309020205020404" pitchFamily="49" charset="0"/>
-              <a:cs typeface="Courier New" panose="02070309020205020404" pitchFamily="49" charset="0"/>
-            </a:rPr>
-            <a:t>de.factoryfx.data.merge.testdata.ExampleDataA</a:t>
-          </a:r>
-          <a:r>
-            <a:rPr lang="de-DE" sz="800" b="0" i="0" kern="1200" dirty="0">
-              <a:latin typeface="Courier New" panose="02070309020205020404" pitchFamily="49" charset="0"/>
-              <a:cs typeface="Courier New" panose="02070309020205020404" pitchFamily="49" charset="0"/>
-            </a:rPr>
-            <a:t>",</a:t>
+            <a:rPr kumimoji="0" lang="de-DE" altLang="de-DE" sz="800" b="1" i="0" u="none" strike="noStrike" kern="1200" cap="none" normalizeH="0" baseline="0" dirty="0">
+              <a:ln>
+                <a:noFill/>
+              </a:ln>
+              <a:solidFill>
+                <a:srgbClr val="660E7A"/>
+              </a:solidFill>
+              <a:effectLst/>
+              <a:latin typeface="Courier New" panose="02070309020205020404" pitchFamily="49" charset="0"/>
+              <a:cs typeface="Courier New" panose="02070309020205020404" pitchFamily="49" charset="0"/>
+            </a:rPr>
+            <a:t>" </a:t>
+          </a:r>
+          <a:r>
+            <a:rPr kumimoji="0" lang="de-DE" altLang="de-DE" sz="800" b="0" i="0" u="none" strike="noStrike" kern="1200" cap="none" normalizeH="0" baseline="0" dirty="0">
+              <a:ln>
+                <a:noFill/>
+              </a:ln>
+              <a:solidFill>
+                <a:srgbClr val="000000"/>
+              </a:solidFill>
+              <a:effectLst/>
+              <a:latin typeface="Courier New" panose="02070309020205020404" pitchFamily="49" charset="0"/>
+              <a:cs typeface="Courier New" panose="02070309020205020404" pitchFamily="49" charset="0"/>
+            </a:rPr>
+            <a:t>: </a:t>
+          </a:r>
+          <a:r>
+            <a:rPr kumimoji="0" lang="de-DE" altLang="de-DE" sz="800" b="1" i="0" u="none" strike="noStrike" kern="1200" cap="none" normalizeH="0" baseline="0" dirty="0">
+              <a:ln>
+                <a:noFill/>
+              </a:ln>
+              <a:solidFill>
+                <a:srgbClr val="008000"/>
+              </a:solidFill>
+              <a:effectLst/>
+              <a:latin typeface="Courier New" panose="02070309020205020404" pitchFamily="49" charset="0"/>
+              <a:cs typeface="Courier New" panose="02070309020205020404" pitchFamily="49" charset="0"/>
+            </a:rPr>
+            <a:t>"</a:t>
+          </a:r>
+          <a:r>
+            <a:rPr kumimoji="0" lang="de-DE" altLang="de-DE" sz="800" b="1" i="0" u="none" strike="noStrike" kern="1200" cap="none" normalizeH="0" baseline="0" dirty="0" err="1">
+              <a:ln>
+                <a:noFill/>
+              </a:ln>
+              <a:solidFill>
+                <a:srgbClr val="008000"/>
+              </a:solidFill>
+              <a:effectLst/>
+              <a:latin typeface="Courier New" panose="02070309020205020404" pitchFamily="49" charset="0"/>
+              <a:cs typeface="Courier New" panose="02070309020205020404" pitchFamily="49" charset="0"/>
+            </a:rPr>
+            <a:t>de.factoryfx.data.testdata.ExampleDataA</a:t>
+          </a:r>
+          <a:r>
+            <a:rPr kumimoji="0" lang="de-DE" altLang="de-DE" sz="800" b="1" i="0" u="none" strike="noStrike" kern="1200" cap="none" normalizeH="0" baseline="0" dirty="0">
+              <a:ln>
+                <a:noFill/>
+              </a:ln>
+              <a:solidFill>
+                <a:srgbClr val="008000"/>
+              </a:solidFill>
+              <a:effectLst/>
+              <a:latin typeface="Courier New" panose="02070309020205020404" pitchFamily="49" charset="0"/>
+              <a:cs typeface="Courier New" panose="02070309020205020404" pitchFamily="49" charset="0"/>
+            </a:rPr>
+            <a:t>"</a:t>
+          </a:r>
+          <a:r>
+            <a:rPr kumimoji="0" lang="de-DE" altLang="de-DE" sz="800" b="0" i="0" u="none" strike="noStrike" kern="1200" cap="none" normalizeH="0" baseline="0" dirty="0">
+              <a:ln>
+                <a:noFill/>
+              </a:ln>
+              <a:solidFill>
+                <a:srgbClr val="000000"/>
+              </a:solidFill>
+              <a:effectLst/>
+              <a:latin typeface="Courier New" panose="02070309020205020404" pitchFamily="49" charset="0"/>
+              <a:cs typeface="Courier New" panose="02070309020205020404" pitchFamily="49" charset="0"/>
+            </a:rPr>
+            <a:t>,</a:t>
           </a:r>
           <a:br>
-            <a:rPr lang="de-DE" sz="800" b="0" i="0" kern="1200" dirty="0">
+            <a:rPr kumimoji="0" lang="de-DE" altLang="de-DE" sz="800" b="0" i="0" u="none" strike="noStrike" kern="1200" cap="none" normalizeH="0" baseline="0" dirty="0">
+              <a:ln>
+                <a:noFill/>
+              </a:ln>
+              <a:solidFill>
+                <a:srgbClr val="000000"/>
+              </a:solidFill>
+              <a:effectLst/>
               <a:latin typeface="Courier New" panose="02070309020205020404" pitchFamily="49" charset="0"/>
               <a:cs typeface="Courier New" panose="02070309020205020404" pitchFamily="49" charset="0"/>
             </a:rPr>
           </a:br>
           <a:r>
-            <a:rPr lang="de-DE" sz="800" b="0" i="0" kern="1200" dirty="0">
-              <a:latin typeface="Courier New" panose="02070309020205020404" pitchFamily="49" charset="0"/>
-              <a:cs typeface="Courier New" panose="02070309020205020404" pitchFamily="49" charset="0"/>
-            </a:rPr>
-            <a:t>  "</a:t>
-          </a:r>
-          <a:r>
-            <a:rPr lang="de-DE" sz="800" b="0" i="0" kern="1200" dirty="0" err="1">
+            <a:rPr kumimoji="0" lang="de-DE" altLang="de-DE" sz="800" b="0" i="0" u="none" strike="noStrike" kern="1200" cap="none" normalizeH="0" baseline="0" dirty="0">
+              <a:ln>
+                <a:noFill/>
+              </a:ln>
+              <a:solidFill>
+                <a:srgbClr val="000000"/>
+              </a:solidFill>
+              <a:effectLst/>
+              <a:latin typeface="Courier New" panose="02070309020205020404" pitchFamily="49" charset="0"/>
+              <a:cs typeface="Courier New" panose="02070309020205020404" pitchFamily="49" charset="0"/>
+            </a:rPr>
+            <a:t>  </a:t>
+          </a:r>
+          <a:r>
+            <a:rPr kumimoji="0" lang="de-DE" altLang="de-DE" sz="800" b="1" i="0" u="none" strike="noStrike" kern="1200" cap="none" normalizeH="0" baseline="0" dirty="0">
+              <a:ln>
+                <a:noFill/>
+              </a:ln>
+              <a:solidFill>
+                <a:srgbClr val="660E7A"/>
+              </a:solidFill>
+              <a:effectLst/>
+              <a:latin typeface="Courier New" panose="02070309020205020404" pitchFamily="49" charset="0"/>
+              <a:cs typeface="Courier New" panose="02070309020205020404" pitchFamily="49" charset="0"/>
+            </a:rPr>
+            <a:t>"</a:t>
+          </a:r>
+          <a:r>
+            <a:rPr kumimoji="0" lang="de-DE" altLang="de-DE" sz="800" b="1" i="0" u="none" strike="noStrike" kern="1200" cap="none" normalizeH="0" baseline="0" dirty="0" err="1">
+              <a:ln>
+                <a:noFill/>
+              </a:ln>
+              <a:solidFill>
+                <a:srgbClr val="660E7A"/>
+              </a:solidFill>
+              <a:effectLst/>
               <a:latin typeface="Courier New" panose="02070309020205020404" pitchFamily="49" charset="0"/>
               <a:cs typeface="Courier New" panose="02070309020205020404" pitchFamily="49" charset="0"/>
             </a:rPr>
             <a:t>id</a:t>
           </a:r>
           <a:r>
-            <a:rPr lang="de-DE" sz="800" b="0" i="0" kern="1200" dirty="0">
-              <a:latin typeface="Courier New" panose="02070309020205020404" pitchFamily="49" charset="0"/>
-              <a:cs typeface="Courier New" panose="02070309020205020404" pitchFamily="49" charset="0"/>
-            </a:rPr>
-            <a:t>" : "feee09f0-b6c0-0f93-ee64-1c22364a2630",</a:t>
+            <a:rPr kumimoji="0" lang="de-DE" altLang="de-DE" sz="800" b="1" i="0" u="none" strike="noStrike" kern="1200" cap="none" normalizeH="0" baseline="0" dirty="0">
+              <a:ln>
+                <a:noFill/>
+              </a:ln>
+              <a:solidFill>
+                <a:srgbClr val="660E7A"/>
+              </a:solidFill>
+              <a:effectLst/>
+              <a:latin typeface="Courier New" panose="02070309020205020404" pitchFamily="49" charset="0"/>
+              <a:cs typeface="Courier New" panose="02070309020205020404" pitchFamily="49" charset="0"/>
+            </a:rPr>
+            <a:t>" </a:t>
+          </a:r>
+          <a:r>
+            <a:rPr kumimoji="0" lang="de-DE" altLang="de-DE" sz="800" b="0" i="0" u="none" strike="noStrike" kern="1200" cap="none" normalizeH="0" baseline="0" dirty="0">
+              <a:ln>
+                <a:noFill/>
+              </a:ln>
+              <a:solidFill>
+                <a:srgbClr val="000000"/>
+              </a:solidFill>
+              <a:effectLst/>
+              <a:latin typeface="Courier New" panose="02070309020205020404" pitchFamily="49" charset="0"/>
+              <a:cs typeface="Courier New" panose="02070309020205020404" pitchFamily="49" charset="0"/>
+            </a:rPr>
+            <a:t>: </a:t>
+          </a:r>
+          <a:r>
+            <a:rPr kumimoji="0" lang="de-DE" altLang="de-DE" sz="800" b="1" i="0" u="none" strike="noStrike" kern="1200" cap="none" normalizeH="0" baseline="0" dirty="0">
+              <a:ln>
+                <a:noFill/>
+              </a:ln>
+              <a:solidFill>
+                <a:srgbClr val="008000"/>
+              </a:solidFill>
+              <a:effectLst/>
+              <a:latin typeface="Courier New" panose="02070309020205020404" pitchFamily="49" charset="0"/>
+              <a:cs typeface="Courier New" panose="02070309020205020404" pitchFamily="49" charset="0"/>
+            </a:rPr>
+            <a:t>"feee09f0-b6c0-0f93-ee64-1c22364a2630"</a:t>
+          </a:r>
+          <a:r>
+            <a:rPr kumimoji="0" lang="de-DE" altLang="de-DE" sz="800" b="0" i="0" u="none" strike="noStrike" kern="1200" cap="none" normalizeH="0" baseline="0" dirty="0">
+              <a:ln>
+                <a:noFill/>
+              </a:ln>
+              <a:solidFill>
+                <a:srgbClr val="000000"/>
+              </a:solidFill>
+              <a:effectLst/>
+              <a:latin typeface="Courier New" panose="02070309020205020404" pitchFamily="49" charset="0"/>
+              <a:cs typeface="Courier New" panose="02070309020205020404" pitchFamily="49" charset="0"/>
+            </a:rPr>
+            <a:t>,</a:t>
           </a:r>
           <a:br>
-            <a:rPr lang="de-DE" sz="800" b="0" i="0" kern="1200" dirty="0">
+            <a:rPr kumimoji="0" lang="de-DE" altLang="de-DE" sz="800" b="0" i="0" u="none" strike="noStrike" kern="1200" cap="none" normalizeH="0" baseline="0" dirty="0">
+              <a:ln>
+                <a:noFill/>
+              </a:ln>
+              <a:solidFill>
+                <a:srgbClr val="000000"/>
+              </a:solidFill>
+              <a:effectLst/>
               <a:latin typeface="Courier New" panose="02070309020205020404" pitchFamily="49" charset="0"/>
               <a:cs typeface="Courier New" panose="02070309020205020404" pitchFamily="49" charset="0"/>
             </a:rPr>
           </a:br>
           <a:r>
-            <a:rPr lang="de-DE" sz="800" b="0" i="0" kern="1200" dirty="0">
-              <a:latin typeface="Courier New" panose="02070309020205020404" pitchFamily="49" charset="0"/>
-              <a:cs typeface="Courier New" panose="02070309020205020404" pitchFamily="49" charset="0"/>
-            </a:rPr>
-            <a:t>  "</a:t>
-          </a:r>
-          <a:r>
-            <a:rPr lang="de-DE" sz="800" b="0" i="0" kern="1200" dirty="0" err="1">
+            <a:rPr kumimoji="0" lang="de-DE" altLang="de-DE" sz="800" b="0" i="0" u="none" strike="noStrike" kern="1200" cap="none" normalizeH="0" baseline="0" dirty="0">
+              <a:ln>
+                <a:noFill/>
+              </a:ln>
+              <a:solidFill>
+                <a:srgbClr val="000000"/>
+              </a:solidFill>
+              <a:effectLst/>
+              <a:latin typeface="Courier New" panose="02070309020205020404" pitchFamily="49" charset="0"/>
+              <a:cs typeface="Courier New" panose="02070309020205020404" pitchFamily="49" charset="0"/>
+            </a:rPr>
+            <a:t>  </a:t>
+          </a:r>
+          <a:r>
+            <a:rPr kumimoji="0" lang="de-DE" altLang="de-DE" sz="800" b="1" i="0" u="none" strike="noStrike" kern="1200" cap="none" normalizeH="0" baseline="0" dirty="0">
+              <a:ln>
+                <a:noFill/>
+              </a:ln>
+              <a:solidFill>
+                <a:srgbClr val="660E7A"/>
+              </a:solidFill>
+              <a:effectLst/>
+              <a:latin typeface="Courier New" panose="02070309020205020404" pitchFamily="49" charset="0"/>
+              <a:cs typeface="Courier New" panose="02070309020205020404" pitchFamily="49" charset="0"/>
+            </a:rPr>
+            <a:t>"</a:t>
+          </a:r>
+          <a:r>
+            <a:rPr kumimoji="0" lang="de-DE" altLang="de-DE" sz="800" b="1" i="0" u="none" strike="noStrike" kern="1200" cap="none" normalizeH="0" baseline="0" dirty="0" err="1">
+              <a:ln>
+                <a:noFill/>
+              </a:ln>
+              <a:solidFill>
+                <a:srgbClr val="660E7A"/>
+              </a:solidFill>
+              <a:effectLst/>
               <a:latin typeface="Courier New" panose="02070309020205020404" pitchFamily="49" charset="0"/>
               <a:cs typeface="Courier New" panose="02070309020205020404" pitchFamily="49" charset="0"/>
             </a:rPr>
             <a:t>attr</a:t>
           </a:r>
           <a:r>
-            <a:rPr lang="de-DE" sz="800" b="0" i="0" kern="1200" dirty="0">
-              <a:latin typeface="Courier New" panose="02070309020205020404" pitchFamily="49" charset="0"/>
-              <a:cs typeface="Courier New" panose="02070309020205020404" pitchFamily="49" charset="0"/>
-            </a:rPr>
-            <a:t>" : {</a:t>
+            <a:rPr kumimoji="0" lang="de-DE" altLang="de-DE" sz="800" b="1" i="0" u="none" strike="noStrike" kern="1200" cap="none" normalizeH="0" baseline="0" dirty="0">
+              <a:ln>
+                <a:noFill/>
+              </a:ln>
+              <a:solidFill>
+                <a:srgbClr val="660E7A"/>
+              </a:solidFill>
+              <a:effectLst/>
+              <a:latin typeface="Courier New" panose="02070309020205020404" pitchFamily="49" charset="0"/>
+              <a:cs typeface="Courier New" panose="02070309020205020404" pitchFamily="49" charset="0"/>
+            </a:rPr>
+            <a:t>" </a:t>
+          </a:r>
+          <a:r>
+            <a:rPr kumimoji="0" lang="de-DE" altLang="de-DE" sz="800" b="0" i="0" u="none" strike="noStrike" kern="1200" cap="none" normalizeH="0" baseline="0" dirty="0">
+              <a:ln>
+                <a:noFill/>
+              </a:ln>
+              <a:solidFill>
+                <a:srgbClr val="000000"/>
+              </a:solidFill>
+              <a:effectLst/>
+              <a:latin typeface="Courier New" panose="02070309020205020404" pitchFamily="49" charset="0"/>
+              <a:cs typeface="Courier New" panose="02070309020205020404" pitchFamily="49" charset="0"/>
+            </a:rPr>
+            <a:t>: {</a:t>
           </a:r>
           <a:br>
-            <a:rPr lang="de-DE" sz="800" b="0" i="0" kern="1200" dirty="0">
+            <a:rPr kumimoji="0" lang="de-DE" altLang="de-DE" sz="800" b="0" i="0" u="none" strike="noStrike" kern="1200" cap="none" normalizeH="0" baseline="0" dirty="0">
+              <a:ln>
+                <a:noFill/>
+              </a:ln>
+              <a:solidFill>
+                <a:srgbClr val="000000"/>
+              </a:solidFill>
+              <a:effectLst/>
               <a:latin typeface="Courier New" panose="02070309020205020404" pitchFamily="49" charset="0"/>
               <a:cs typeface="Courier New" panose="02070309020205020404" pitchFamily="49" charset="0"/>
             </a:rPr>
           </a:br>
           <a:r>
-            <a:rPr lang="de-DE" sz="800" b="0" i="0" kern="1200" dirty="0">
-              <a:latin typeface="Courier New" panose="02070309020205020404" pitchFamily="49" charset="0"/>
-              <a:cs typeface="Courier New" panose="02070309020205020404" pitchFamily="49" charset="0"/>
-            </a:rPr>
-            <a:t>    "v" : "</a:t>
-          </a:r>
-          <a:r>
-            <a:rPr lang="de-DE" sz="800" b="0" i="0" kern="1200" dirty="0" err="1">
+            <a:rPr kumimoji="0" lang="de-DE" altLang="de-DE" sz="800" b="0" i="0" u="none" strike="noStrike" kern="1200" cap="none" normalizeH="0" baseline="0" dirty="0">
+              <a:ln>
+                <a:noFill/>
+              </a:ln>
+              <a:solidFill>
+                <a:srgbClr val="000000"/>
+              </a:solidFill>
+              <a:effectLst/>
+              <a:latin typeface="Courier New" panose="02070309020205020404" pitchFamily="49" charset="0"/>
+              <a:cs typeface="Courier New" panose="02070309020205020404" pitchFamily="49" charset="0"/>
+            </a:rPr>
+            <a:t>    </a:t>
+          </a:r>
+          <a:r>
+            <a:rPr kumimoji="0" lang="de-DE" altLang="de-DE" sz="800" b="1" i="0" u="none" strike="noStrike" kern="1200" cap="none" normalizeH="0" baseline="0" dirty="0">
+              <a:ln>
+                <a:noFill/>
+              </a:ln>
+              <a:solidFill>
+                <a:srgbClr val="660E7A"/>
+              </a:solidFill>
+              <a:effectLst/>
+              <a:latin typeface="Courier New" panose="02070309020205020404" pitchFamily="49" charset="0"/>
+              <a:cs typeface="Courier New" panose="02070309020205020404" pitchFamily="49" charset="0"/>
+            </a:rPr>
+            <a:t>"v" </a:t>
+          </a:r>
+          <a:r>
+            <a:rPr kumimoji="0" lang="de-DE" altLang="de-DE" sz="800" b="0" i="0" u="none" strike="noStrike" kern="1200" cap="none" normalizeH="0" baseline="0" dirty="0">
+              <a:ln>
+                <a:noFill/>
+              </a:ln>
+              <a:solidFill>
+                <a:srgbClr val="000000"/>
+              </a:solidFill>
+              <a:effectLst/>
+              <a:latin typeface="Courier New" panose="02070309020205020404" pitchFamily="49" charset="0"/>
+              <a:cs typeface="Courier New" panose="02070309020205020404" pitchFamily="49" charset="0"/>
+            </a:rPr>
+            <a:t>: </a:t>
+          </a:r>
+          <a:r>
+            <a:rPr kumimoji="0" lang="de-DE" altLang="de-DE" sz="800" b="1" i="0" u="none" strike="noStrike" kern="1200" cap="none" normalizeH="0" baseline="0" dirty="0">
+              <a:ln>
+                <a:noFill/>
+              </a:ln>
+              <a:solidFill>
+                <a:srgbClr val="008000"/>
+              </a:solidFill>
+              <a:effectLst/>
+              <a:latin typeface="Courier New" panose="02070309020205020404" pitchFamily="49" charset="0"/>
+              <a:cs typeface="Courier New" panose="02070309020205020404" pitchFamily="49" charset="0"/>
+            </a:rPr>
+            <a:t>"</a:t>
+          </a:r>
+          <a:r>
+            <a:rPr kumimoji="0" lang="de-DE" altLang="de-DE" sz="800" b="1" i="0" u="none" strike="noStrike" kern="1200" cap="none" normalizeH="0" baseline="0" dirty="0" err="1">
+              <a:ln>
+                <a:noFill/>
+              </a:ln>
+              <a:solidFill>
+                <a:srgbClr val="008000"/>
+              </a:solidFill>
+              <a:effectLst/>
               <a:latin typeface="Courier New" panose="02070309020205020404" pitchFamily="49" charset="0"/>
               <a:cs typeface="Courier New" panose="02070309020205020404" pitchFamily="49" charset="0"/>
             </a:rPr>
             <a:t>adad</a:t>
           </a:r>
           <a:r>
-            <a:rPr lang="de-DE" sz="800" b="0" i="0" kern="1200" dirty="0">
+            <a:rPr kumimoji="0" lang="de-DE" altLang="de-DE" sz="800" b="1" i="0" u="none" strike="noStrike" kern="1200" cap="none" normalizeH="0" baseline="0" dirty="0">
+              <a:ln>
+                <a:noFill/>
+              </a:ln>
+              <a:solidFill>
+                <a:srgbClr val="008000"/>
+              </a:solidFill>
+              <a:effectLst/>
               <a:latin typeface="Courier New" panose="02070309020205020404" pitchFamily="49" charset="0"/>
               <a:cs typeface="Courier New" panose="02070309020205020404" pitchFamily="49" charset="0"/>
             </a:rPr>
             <a:t>"</a:t>
           </a:r>
           <a:br>
-            <a:rPr lang="de-DE" sz="800" b="0" i="0" kern="1200" dirty="0">
+            <a:rPr kumimoji="0" lang="de-DE" altLang="de-DE" sz="800" b="1" i="0" u="none" strike="noStrike" kern="1200" cap="none" normalizeH="0" baseline="0" dirty="0">
+              <a:ln>
+                <a:noFill/>
+              </a:ln>
+              <a:solidFill>
+                <a:srgbClr val="008000"/>
+              </a:solidFill>
+              <a:effectLst/>
               <a:latin typeface="Courier New" panose="02070309020205020404" pitchFamily="49" charset="0"/>
               <a:cs typeface="Courier New" panose="02070309020205020404" pitchFamily="49" charset="0"/>
             </a:rPr>
           </a:br>
           <a:r>
-            <a:rPr lang="de-DE" sz="800" b="0" i="0" kern="1200" dirty="0">
-              <a:latin typeface="Courier New" panose="02070309020205020404" pitchFamily="49" charset="0"/>
-              <a:cs typeface="Courier New" panose="02070309020205020404" pitchFamily="49" charset="0"/>
-            </a:rPr>
-            <a:t>  }</a:t>
-          </a:r>
-          <a:br>
-            <a:rPr lang="de-DE" sz="800" b="0" i="0" kern="1200" dirty="0"/>
-          </a:br>
-          <a:r>
-            <a:rPr lang="de-DE" sz="800" b="0" i="0" kern="1200" dirty="0"/>
+            <a:rPr kumimoji="0" lang="de-DE" altLang="de-DE" sz="800" b="1" i="0" u="none" strike="noStrike" kern="1200" cap="none" normalizeH="0" baseline="0" dirty="0">
+              <a:ln>
+                <a:noFill/>
+              </a:ln>
+              <a:solidFill>
+                <a:srgbClr val="008000"/>
+              </a:solidFill>
+              <a:effectLst/>
+              <a:latin typeface="Courier New" panose="02070309020205020404" pitchFamily="49" charset="0"/>
+              <a:cs typeface="Courier New" panose="02070309020205020404" pitchFamily="49" charset="0"/>
+            </a:rPr>
+            <a:t>  </a:t>
+          </a:r>
+          <a:r>
+            <a:rPr kumimoji="0" lang="de-DE" altLang="de-DE" sz="800" b="0" i="0" u="none" strike="noStrike" kern="1200" cap="none" normalizeH="0" baseline="0" dirty="0">
+              <a:ln>
+                <a:noFill/>
+              </a:ln>
+              <a:solidFill>
+                <a:srgbClr val="000000"/>
+              </a:solidFill>
+              <a:effectLst/>
+              <a:latin typeface="Courier New" panose="02070309020205020404" pitchFamily="49" charset="0"/>
+              <a:cs typeface="Courier New" panose="02070309020205020404" pitchFamily="49" charset="0"/>
+            </a:rPr>
             <a:t>}</a:t>
           </a:r>
+          <a:endParaRPr lang="de-DE" sz="800" b="0" i="0" kern="1200" dirty="0"/>
+        </a:p>
+        <a:p>
+          <a:pPr marL="57150" lvl="1" indent="-57150" algn="l" defTabSz="355600">
+            <a:lnSpc>
+              <a:spcPct val="90000"/>
+            </a:lnSpc>
+            <a:spcBef>
+              <a:spcPct val="0"/>
+            </a:spcBef>
+            <a:spcAft>
+              <a:spcPct val="15000"/>
+            </a:spcAft>
+            <a:buNone/>
+          </a:pPr>
+          <a:r>
+            <a:rPr kumimoji="0" lang="de-DE" altLang="de-DE" sz="800" b="0" i="0" u="none" strike="noStrike" kern="1200" cap="none" normalizeH="0" baseline="0" dirty="0">
+              <a:ln>
+                <a:noFill/>
+              </a:ln>
+              <a:solidFill>
+                <a:srgbClr val="000000"/>
+              </a:solidFill>
+              <a:effectLst/>
+              <a:latin typeface="Courier New" panose="02070309020205020404" pitchFamily="49" charset="0"/>
+              <a:cs typeface="Courier New" panose="02070309020205020404" pitchFamily="49" charset="0"/>
+            </a:rPr>
+            <a:t>}</a:t>
+          </a:r>
+          <a:endParaRPr lang="de-DE" sz="800" b="0" i="0" kern="1200" dirty="0"/>
         </a:p>
       </dsp:txBody>
       <dsp:txXfrm>
@@ -2086,173 +3055,346 @@
             <a:buNone/>
           </a:pPr>
           <a:r>
-            <a:rPr lang="de-DE" sz="800" b="0" i="0" kern="1200" dirty="0" err="1">
+            <a:rPr kumimoji="0" lang="de-DE" altLang="de-DE" sz="800" b="1" i="0" u="none" strike="noStrike" kern="1200" cap="none" normalizeH="0" baseline="0" dirty="0" err="1">
+              <a:ln>
+                <a:noFill/>
+              </a:ln>
+              <a:solidFill>
+                <a:srgbClr val="000080"/>
+              </a:solidFill>
+              <a:effectLst/>
               <a:latin typeface="Courier New" panose="02070309020205020404" pitchFamily="49" charset="0"/>
               <a:cs typeface="Courier New" panose="02070309020205020404" pitchFamily="49" charset="0"/>
             </a:rPr>
             <a:t>public</a:t>
           </a:r>
           <a:r>
-            <a:rPr lang="de-DE" sz="800" b="0" i="0" kern="1200" dirty="0">
+            <a:rPr kumimoji="0" lang="de-DE" altLang="de-DE" sz="800" b="1" i="0" u="none" strike="noStrike" kern="1200" cap="none" normalizeH="0" baseline="0" dirty="0">
+              <a:ln>
+                <a:noFill/>
+              </a:ln>
+              <a:solidFill>
+                <a:srgbClr val="000080"/>
+              </a:solidFill>
+              <a:effectLst/>
               <a:latin typeface="Courier New" panose="02070309020205020404" pitchFamily="49" charset="0"/>
               <a:cs typeface="Courier New" panose="02070309020205020404" pitchFamily="49" charset="0"/>
             </a:rPr>
             <a:t> </a:t>
           </a:r>
           <a:r>
-            <a:rPr lang="de-DE" sz="800" b="0" i="0" kern="1200" dirty="0" err="1">
+            <a:rPr kumimoji="0" lang="de-DE" altLang="de-DE" sz="800" b="1" i="0" u="none" strike="noStrike" kern="1200" cap="none" normalizeH="0" baseline="0" dirty="0" err="1">
+              <a:ln>
+                <a:noFill/>
+              </a:ln>
+              <a:solidFill>
+                <a:srgbClr val="000080"/>
+              </a:solidFill>
+              <a:effectLst/>
               <a:latin typeface="Courier New" panose="02070309020205020404" pitchFamily="49" charset="0"/>
               <a:cs typeface="Courier New" panose="02070309020205020404" pitchFamily="49" charset="0"/>
             </a:rPr>
             <a:t>class</a:t>
           </a:r>
           <a:r>
-            <a:rPr lang="de-DE" sz="800" b="0" i="0" kern="1200" dirty="0">
+            <a:rPr kumimoji="0" lang="de-DE" altLang="de-DE" sz="800" b="1" i="0" u="none" strike="noStrike" kern="1200" cap="none" normalizeH="0" baseline="0" dirty="0">
+              <a:ln>
+                <a:noFill/>
+              </a:ln>
+              <a:solidFill>
+                <a:srgbClr val="000080"/>
+              </a:solidFill>
+              <a:effectLst/>
               <a:latin typeface="Courier New" panose="02070309020205020404" pitchFamily="49" charset="0"/>
               <a:cs typeface="Courier New" panose="02070309020205020404" pitchFamily="49" charset="0"/>
             </a:rPr>
             <a:t> </a:t>
           </a:r>
           <a:r>
-            <a:rPr lang="de-DE" sz="800" b="0" i="0" kern="1200" dirty="0" err="1">
+            <a:rPr kumimoji="0" lang="de-DE" altLang="de-DE" sz="800" b="0" i="0" u="none" strike="noStrike" kern="1200" cap="none" normalizeH="0" baseline="0" dirty="0" err="1">
+              <a:ln>
+                <a:noFill/>
+              </a:ln>
+              <a:solidFill>
+                <a:srgbClr val="000000"/>
+              </a:solidFill>
+              <a:effectLst/>
               <a:latin typeface="Courier New" panose="02070309020205020404" pitchFamily="49" charset="0"/>
               <a:cs typeface="Courier New" panose="02070309020205020404" pitchFamily="49" charset="0"/>
             </a:rPr>
             <a:t>ExampleFactory</a:t>
           </a:r>
           <a:r>
-            <a:rPr lang="de-DE" sz="800" b="0" i="0" kern="1200" dirty="0">
+            <a:rPr kumimoji="0" lang="de-DE" altLang="de-DE" sz="800" b="0" i="0" u="none" strike="noStrike" kern="1200" cap="none" normalizeH="0" baseline="0" dirty="0">
+              <a:ln>
+                <a:noFill/>
+              </a:ln>
+              <a:solidFill>
+                <a:srgbClr val="000000"/>
+              </a:solidFill>
+              <a:effectLst/>
               <a:latin typeface="Courier New" panose="02070309020205020404" pitchFamily="49" charset="0"/>
               <a:cs typeface="Courier New" panose="02070309020205020404" pitchFamily="49" charset="0"/>
             </a:rPr>
             <a:t> </a:t>
           </a:r>
           <a:r>
-            <a:rPr lang="de-DE" sz="800" b="0" i="0" kern="1200" dirty="0" err="1">
+            <a:rPr kumimoji="0" lang="de-DE" altLang="de-DE" sz="800" b="1" i="0" u="none" strike="noStrike" kern="1200" cap="none" normalizeH="0" baseline="0" dirty="0" err="1">
+              <a:ln>
+                <a:noFill/>
+              </a:ln>
+              <a:solidFill>
+                <a:srgbClr val="000080"/>
+              </a:solidFill>
+              <a:effectLst/>
               <a:latin typeface="Courier New" panose="02070309020205020404" pitchFamily="49" charset="0"/>
               <a:cs typeface="Courier New" panose="02070309020205020404" pitchFamily="49" charset="0"/>
             </a:rPr>
             <a:t>extends</a:t>
           </a:r>
           <a:r>
-            <a:rPr lang="de-DE" sz="800" b="0" i="0" kern="1200" dirty="0">
-              <a:latin typeface="Courier New" panose="02070309020205020404" pitchFamily="49" charset="0"/>
-              <a:cs typeface="Courier New" panose="02070309020205020404" pitchFamily="49" charset="0"/>
-            </a:rPr>
-            <a:t> …{</a:t>
-          </a:r>
-        </a:p>
-        <a:p>
-          <a:pPr marL="57150" lvl="1" indent="-57150" algn="l" defTabSz="355600">
-            <a:lnSpc>
-              <a:spcPct val="90000"/>
-            </a:lnSpc>
-            <a:spcBef>
-              <a:spcPct val="0"/>
-            </a:spcBef>
-            <a:spcAft>
-              <a:spcPct val="15000"/>
-            </a:spcAft>
-            <a:buNone/>
-          </a:pPr>
-          <a:r>
-            <a:rPr lang="de-DE" sz="800" b="0" i="0" kern="1200" dirty="0">
-              <a:latin typeface="Courier New" panose="02070309020205020404" pitchFamily="49" charset="0"/>
-              <a:cs typeface="Courier New" panose="02070309020205020404" pitchFamily="49" charset="0"/>
-            </a:rPr>
-            <a:t>  </a:t>
-          </a:r>
-          <a:r>
-            <a:rPr lang="de-DE" sz="800" b="0" i="0" kern="1200" dirty="0" err="1">
+            <a:rPr kumimoji="0" lang="de-DE" altLang="de-DE" sz="800" b="1" i="0" u="none" strike="noStrike" kern="1200" cap="none" normalizeH="0" baseline="0" dirty="0">
+              <a:ln>
+                <a:noFill/>
+              </a:ln>
+              <a:solidFill>
+                <a:srgbClr val="000080"/>
+              </a:solidFill>
+              <a:effectLst/>
+              <a:latin typeface="Courier New" panose="02070309020205020404" pitchFamily="49" charset="0"/>
+              <a:cs typeface="Courier New" panose="02070309020205020404" pitchFamily="49" charset="0"/>
+            </a:rPr>
+            <a:t> </a:t>
+          </a:r>
+          <a:r>
+            <a:rPr kumimoji="0" lang="de-DE" altLang="de-DE" sz="800" b="0" i="0" u="none" strike="noStrike" kern="1200" cap="none" normalizeH="0" baseline="0" dirty="0">
+              <a:ln>
+                <a:noFill/>
+              </a:ln>
+              <a:solidFill>
+                <a:srgbClr val="000000"/>
+              </a:solidFill>
+              <a:effectLst/>
+              <a:latin typeface="Courier New" panose="02070309020205020404" pitchFamily="49" charset="0"/>
+              <a:cs typeface="Courier New" panose="02070309020205020404" pitchFamily="49" charset="0"/>
+            </a:rPr>
+            <a:t>…{</a:t>
+          </a:r>
+          <a:br>
+            <a:rPr kumimoji="0" lang="de-DE" altLang="de-DE" sz="800" b="0" i="0" u="none" strike="noStrike" kern="1200" cap="none" normalizeH="0" baseline="0" dirty="0">
+              <a:ln>
+                <a:noFill/>
+              </a:ln>
+              <a:solidFill>
+                <a:srgbClr val="000000"/>
+              </a:solidFill>
+              <a:effectLst/>
+              <a:latin typeface="Courier New" panose="02070309020205020404" pitchFamily="49" charset="0"/>
+              <a:cs typeface="Courier New" panose="02070309020205020404" pitchFamily="49" charset="0"/>
+            </a:rPr>
+          </a:br>
+          <a:r>
+            <a:rPr kumimoji="0" lang="de-DE" altLang="de-DE" sz="800" b="0" i="0" u="none" strike="noStrike" kern="1200" cap="none" normalizeH="0" baseline="0" dirty="0">
+              <a:ln>
+                <a:noFill/>
+              </a:ln>
+              <a:solidFill>
+                <a:srgbClr val="000000"/>
+              </a:solidFill>
+              <a:effectLst/>
+              <a:latin typeface="Courier New" panose="02070309020205020404" pitchFamily="49" charset="0"/>
+              <a:cs typeface="Courier New" panose="02070309020205020404" pitchFamily="49" charset="0"/>
+            </a:rPr>
+            <a:t>    </a:t>
+          </a:r>
+          <a:r>
+            <a:rPr kumimoji="0" lang="de-DE" altLang="de-DE" sz="800" b="1" i="0" u="none" strike="noStrike" kern="1200" cap="none" normalizeH="0" baseline="0" dirty="0" err="1">
+              <a:ln>
+                <a:noFill/>
+              </a:ln>
+              <a:solidFill>
+                <a:srgbClr val="000080"/>
+              </a:solidFill>
+              <a:effectLst/>
               <a:latin typeface="Courier New" panose="02070309020205020404" pitchFamily="49" charset="0"/>
               <a:cs typeface="Courier New" panose="02070309020205020404" pitchFamily="49" charset="0"/>
             </a:rPr>
             <a:t>public</a:t>
           </a:r>
           <a:r>
-            <a:rPr lang="de-DE" sz="800" b="0" i="0" kern="1200" dirty="0">
+            <a:rPr kumimoji="0" lang="de-DE" altLang="de-DE" sz="800" b="1" i="0" u="none" strike="noStrike" kern="1200" cap="none" normalizeH="0" baseline="0" dirty="0">
+              <a:ln>
+                <a:noFill/>
+              </a:ln>
+              <a:solidFill>
+                <a:srgbClr val="000080"/>
+              </a:solidFill>
+              <a:effectLst/>
               <a:latin typeface="Courier New" panose="02070309020205020404" pitchFamily="49" charset="0"/>
               <a:cs typeface="Courier New" panose="02070309020205020404" pitchFamily="49" charset="0"/>
             </a:rPr>
             <a:t> final </a:t>
           </a:r>
           <a:r>
-            <a:rPr lang="de-DE" sz="800" b="0" i="0" kern="1200" dirty="0" err="1">
+            <a:rPr kumimoji="0" lang="de-DE" altLang="de-DE" sz="800" b="0" i="0" u="none" strike="noStrike" kern="1200" cap="none" normalizeH="0" baseline="0" dirty="0" err="1">
+              <a:ln>
+                <a:noFill/>
+              </a:ln>
+              <a:solidFill>
+                <a:srgbClr val="000000"/>
+              </a:solidFill>
+              <a:effectLst/>
               <a:latin typeface="Courier New" panose="02070309020205020404" pitchFamily="49" charset="0"/>
               <a:cs typeface="Courier New" panose="02070309020205020404" pitchFamily="49" charset="0"/>
             </a:rPr>
             <a:t>StringAttribute</a:t>
           </a:r>
           <a:r>
-            <a:rPr lang="de-DE" sz="800" b="0" i="0" kern="1200" dirty="0">
+            <a:rPr kumimoji="0" lang="de-DE" altLang="de-DE" sz="800" b="0" i="0" u="none" strike="noStrike" kern="1200" cap="none" normalizeH="0" baseline="0" dirty="0">
+              <a:ln>
+                <a:noFill/>
+              </a:ln>
+              <a:solidFill>
+                <a:srgbClr val="000000"/>
+              </a:solidFill>
+              <a:effectLst/>
               <a:latin typeface="Courier New" panose="02070309020205020404" pitchFamily="49" charset="0"/>
               <a:cs typeface="Courier New" panose="02070309020205020404" pitchFamily="49" charset="0"/>
             </a:rPr>
             <a:t> </a:t>
           </a:r>
           <a:r>
-            <a:rPr lang="de-DE" sz="800" b="0" i="0" kern="1200" dirty="0" err="1">
+            <a:rPr kumimoji="0" lang="de-DE" altLang="de-DE" sz="800" b="1" i="0" u="none" strike="noStrike" kern="1200" cap="none" normalizeH="0" baseline="0" dirty="0" err="1">
+              <a:ln>
+                <a:noFill/>
+              </a:ln>
+              <a:solidFill>
+                <a:srgbClr val="660E7A"/>
+              </a:solidFill>
+              <a:effectLst/>
               <a:latin typeface="Courier New" panose="02070309020205020404" pitchFamily="49" charset="0"/>
               <a:cs typeface="Courier New" panose="02070309020205020404" pitchFamily="49" charset="0"/>
             </a:rPr>
             <a:t>attr</a:t>
           </a:r>
           <a:r>
-            <a:rPr lang="de-DE" sz="800" b="0" i="0" kern="1200" dirty="0">
-              <a:latin typeface="Courier New" panose="02070309020205020404" pitchFamily="49" charset="0"/>
-              <a:cs typeface="Courier New" panose="02070309020205020404" pitchFamily="49" charset="0"/>
-            </a:rPr>
-            <a:t> = </a:t>
-          </a:r>
-          <a:r>
-            <a:rPr lang="de-DE" sz="800" b="0" i="0" kern="1200" dirty="0" err="1">
+            <a:rPr kumimoji="0" lang="de-DE" altLang="de-DE" sz="800" b="1" i="0" u="none" strike="noStrike" kern="1200" cap="none" normalizeH="0" baseline="0" dirty="0">
+              <a:ln>
+                <a:noFill/>
+              </a:ln>
+              <a:solidFill>
+                <a:srgbClr val="660E7A"/>
+              </a:solidFill>
+              <a:effectLst/>
+              <a:latin typeface="Courier New" panose="02070309020205020404" pitchFamily="49" charset="0"/>
+              <a:cs typeface="Courier New" panose="02070309020205020404" pitchFamily="49" charset="0"/>
+            </a:rPr>
+            <a:t> </a:t>
+          </a:r>
+          <a:r>
+            <a:rPr kumimoji="0" lang="de-DE" altLang="de-DE" sz="800" b="0" i="0" u="none" strike="noStrike" kern="1200" cap="none" normalizeH="0" baseline="0" dirty="0">
+              <a:ln>
+                <a:noFill/>
+              </a:ln>
+              <a:solidFill>
+                <a:srgbClr val="000000"/>
+              </a:solidFill>
+              <a:effectLst/>
+              <a:latin typeface="Courier New" panose="02070309020205020404" pitchFamily="49" charset="0"/>
+              <a:cs typeface="Courier New" panose="02070309020205020404" pitchFamily="49" charset="0"/>
+            </a:rPr>
+            <a:t>= </a:t>
+          </a:r>
+          <a:r>
+            <a:rPr kumimoji="0" lang="de-DE" altLang="de-DE" sz="800" b="1" i="0" u="none" strike="noStrike" kern="1200" cap="none" normalizeH="0" baseline="0" dirty="0" err="1">
+              <a:ln>
+                <a:noFill/>
+              </a:ln>
+              <a:solidFill>
+                <a:srgbClr val="000080"/>
+              </a:solidFill>
+              <a:effectLst/>
               <a:latin typeface="Courier New" panose="02070309020205020404" pitchFamily="49" charset="0"/>
               <a:cs typeface="Courier New" panose="02070309020205020404" pitchFamily="49" charset="0"/>
             </a:rPr>
             <a:t>new</a:t>
           </a:r>
           <a:r>
-            <a:rPr lang="de-DE" sz="800" b="0" i="0" kern="1200" dirty="0">
+            <a:rPr kumimoji="0" lang="de-DE" altLang="de-DE" sz="800" b="1" i="0" u="none" strike="noStrike" kern="1200" cap="none" normalizeH="0" baseline="0" dirty="0">
+              <a:ln>
+                <a:noFill/>
+              </a:ln>
+              <a:solidFill>
+                <a:srgbClr val="000080"/>
+              </a:solidFill>
+              <a:effectLst/>
               <a:latin typeface="Courier New" panose="02070309020205020404" pitchFamily="49" charset="0"/>
               <a:cs typeface="Courier New" panose="02070309020205020404" pitchFamily="49" charset="0"/>
             </a:rPr>
             <a:t>   </a:t>
           </a:r>
           <a:r>
-            <a:rPr lang="de-DE" sz="800" b="0" i="0" kern="1200" dirty="0" err="1">
+            <a:rPr kumimoji="0" lang="de-DE" altLang="de-DE" sz="800" b="0" i="0" u="none" strike="noStrike" kern="1200" cap="none" normalizeH="0" baseline="0" dirty="0" err="1">
+              <a:ln>
+                <a:noFill/>
+              </a:ln>
+              <a:solidFill>
+                <a:srgbClr val="000000"/>
+              </a:solidFill>
+              <a:effectLst/>
               <a:latin typeface="Courier New" panose="02070309020205020404" pitchFamily="49" charset="0"/>
               <a:cs typeface="Courier New" panose="02070309020205020404" pitchFamily="49" charset="0"/>
             </a:rPr>
             <a:t>StringAttribute</a:t>
           </a:r>
           <a:r>
-            <a:rPr lang="de-DE" sz="800" b="0" i="0" kern="1200" dirty="0">
+            <a:rPr kumimoji="0" lang="de-DE" altLang="de-DE" sz="800" b="0" i="0" u="none" strike="noStrike" kern="1200" cap="none" normalizeH="0" baseline="0" dirty="0">
+              <a:ln>
+                <a:noFill/>
+              </a:ln>
+              <a:solidFill>
+                <a:srgbClr val="000000"/>
+              </a:solidFill>
+              <a:effectLst/>
               <a:latin typeface="Courier New" panose="02070309020205020404" pitchFamily="49" charset="0"/>
               <a:cs typeface="Courier New" panose="02070309020205020404" pitchFamily="49" charset="0"/>
             </a:rPr>
             <a:t>();</a:t>
           </a:r>
-        </a:p>
-        <a:p>
-          <a:pPr marL="57150" lvl="1" indent="-57150" algn="l" defTabSz="355600">
-            <a:lnSpc>
-              <a:spcPct val="90000"/>
-            </a:lnSpc>
-            <a:spcBef>
-              <a:spcPct val="0"/>
-            </a:spcBef>
-            <a:spcAft>
-              <a:spcPct val="15000"/>
-            </a:spcAft>
-            <a:buNone/>
-          </a:pPr>
-          <a:r>
-            <a:rPr lang="de-DE" sz="800" b="0" i="0" kern="1200" dirty="0">
+          <a:br>
+            <a:rPr kumimoji="0" lang="de-DE" altLang="de-DE" sz="800" b="0" i="0" u="none" strike="noStrike" kern="1200" cap="none" normalizeH="0" baseline="0" dirty="0">
+              <a:ln>
+                <a:noFill/>
+              </a:ln>
+              <a:solidFill>
+                <a:srgbClr val="000000"/>
+              </a:solidFill>
+              <a:effectLst/>
+              <a:latin typeface="Courier New" panose="02070309020205020404" pitchFamily="49" charset="0"/>
+              <a:cs typeface="Courier New" panose="02070309020205020404" pitchFamily="49" charset="0"/>
+            </a:rPr>
+          </a:br>
+          <a:r>
+            <a:rPr kumimoji="0" lang="de-DE" altLang="de-DE" sz="800" b="0" i="0" u="none" strike="noStrike" kern="1200" cap="none" normalizeH="0" baseline="0" dirty="0">
+              <a:ln>
+                <a:noFill/>
+              </a:ln>
+              <a:solidFill>
+                <a:srgbClr val="000000"/>
+              </a:solidFill>
+              <a:effectLst/>
               <a:latin typeface="Courier New" panose="02070309020205020404" pitchFamily="49" charset="0"/>
               <a:cs typeface="Courier New" panose="02070309020205020404" pitchFamily="49" charset="0"/>
             </a:rPr>
             <a:t>}</a:t>
           </a:r>
+          <a:br>
+            <a:rPr lang="en-US" sz="800" kern="1200" dirty="0"/>
+          </a:br>
+          <a:endParaRPr lang="de-DE" sz="800" b="0" i="0" kern="1200" dirty="0">
+            <a:latin typeface="Courier New" panose="02070309020205020404" pitchFamily="49" charset="0"/>
+            <a:cs typeface="Courier New" panose="02070309020205020404" pitchFamily="49" charset="0"/>
+          </a:endParaRPr>
         </a:p>
       </dsp:txBody>
       <dsp:txXfrm>
@@ -2415,14 +3557,50 @@
             <a:buNone/>
           </a:pPr>
           <a:r>
-            <a:rPr lang="de-DE" sz="1800" b="1" kern="1200" dirty="0"/>
+            <a:rPr lang="de-DE" sz="1800" b="1" kern="1200" dirty="0">
+              <a:solidFill>
+                <a:prstClr val="black">
+                  <a:hueOff val="0"/>
+                  <a:satOff val="0"/>
+                  <a:lumOff val="0"/>
+                  <a:alphaOff val="0"/>
+                </a:prstClr>
+              </a:solidFill>
+              <a:latin typeface="Calibri" panose="020F0502020204030204"/>
+              <a:ea typeface="+mn-ea"/>
+              <a:cs typeface="+mn-cs"/>
+            </a:rPr>
             <a:t>Data </a:t>
           </a:r>
           <a:r>
-            <a:rPr lang="de-DE" sz="1800" b="1" kern="1200" dirty="0" err="1"/>
-            <a:t>populations</a:t>
-          </a:r>
-          <a:endParaRPr lang="de-DE" sz="1800" kern="1200" dirty="0"/>
+            <a:rPr lang="de-DE" sz="1800" b="1" kern="1200" dirty="0" err="1">
+              <a:solidFill>
+                <a:prstClr val="black">
+                  <a:hueOff val="0"/>
+                  <a:satOff val="0"/>
+                  <a:lumOff val="0"/>
+                  <a:alphaOff val="0"/>
+                </a:prstClr>
+              </a:solidFill>
+              <a:latin typeface="Calibri" panose="020F0502020204030204"/>
+              <a:ea typeface="+mn-ea"/>
+              <a:cs typeface="+mn-cs"/>
+            </a:rPr>
+            <a:t>content</a:t>
+          </a:r>
+          <a:endParaRPr lang="de-DE" sz="1800" b="1" kern="1200" dirty="0">
+            <a:solidFill>
+              <a:prstClr val="black">
+                <a:hueOff val="0"/>
+                <a:satOff val="0"/>
+                <a:lumOff val="0"/>
+                <a:alphaOff val="0"/>
+              </a:prstClr>
+            </a:solidFill>
+            <a:latin typeface="Calibri" panose="020F0502020204030204"/>
+            <a:ea typeface="+mn-ea"/>
+            <a:cs typeface="+mn-cs"/>
+          </a:endParaRPr>
         </a:p>
         <a:p>
           <a:pPr marL="57150" lvl="1" indent="-57150" algn="l" defTabSz="355600">
@@ -2438,19 +3616,65 @@
             <a:buNone/>
           </a:pPr>
           <a:r>
-            <a:rPr lang="de-DE" sz="800" b="0" i="0" kern="1200" dirty="0" err="1">
+            <a:rPr kumimoji="0" lang="de-DE" altLang="de-DE" sz="800" b="0" i="0" u="none" strike="noStrike" kern="1200" cap="none" normalizeH="0" baseline="0" dirty="0" err="1">
+              <a:ln>
+                <a:noFill/>
+              </a:ln>
+              <a:solidFill>
+                <a:srgbClr val="000000"/>
+              </a:solidFill>
+              <a:effectLst/>
               <a:latin typeface="Courier New" panose="02070309020205020404" pitchFamily="49" charset="0"/>
               <a:cs typeface="Courier New" panose="02070309020205020404" pitchFamily="49" charset="0"/>
             </a:rPr>
             <a:t>factory.attr.set</a:t>
           </a:r>
           <a:r>
-            <a:rPr lang="de-DE" sz="800" b="0" i="0" kern="1200" dirty="0">
-              <a:latin typeface="Courier New" panose="02070309020205020404" pitchFamily="49" charset="0"/>
-              <a:cs typeface="Courier New" panose="02070309020205020404" pitchFamily="49" charset="0"/>
-            </a:rPr>
-            <a:t>("123")</a:t>
-          </a:r>
+            <a:rPr kumimoji="0" lang="de-DE" altLang="de-DE" sz="800" b="0" i="0" u="none" strike="noStrike" kern="1200" cap="none" normalizeH="0" baseline="0" dirty="0">
+              <a:ln>
+                <a:noFill/>
+              </a:ln>
+              <a:solidFill>
+                <a:srgbClr val="000000"/>
+              </a:solidFill>
+              <a:effectLst/>
+              <a:latin typeface="Courier New" panose="02070309020205020404" pitchFamily="49" charset="0"/>
+              <a:cs typeface="Courier New" panose="02070309020205020404" pitchFamily="49" charset="0"/>
+            </a:rPr>
+            <a:t>(</a:t>
+          </a:r>
+          <a:r>
+            <a:rPr kumimoji="0" lang="de-DE" altLang="de-DE" sz="800" b="1" i="0" u="none" strike="noStrike" kern="1200" cap="none" normalizeH="0" baseline="0" dirty="0">
+              <a:ln>
+                <a:noFill/>
+              </a:ln>
+              <a:solidFill>
+                <a:srgbClr val="008000"/>
+              </a:solidFill>
+              <a:effectLst/>
+              <a:latin typeface="Courier New" panose="02070309020205020404" pitchFamily="49" charset="0"/>
+              <a:cs typeface="Courier New" panose="02070309020205020404" pitchFamily="49" charset="0"/>
+            </a:rPr>
+            <a:t>"123"</a:t>
+          </a:r>
+          <a:r>
+            <a:rPr kumimoji="0" lang="de-DE" altLang="de-DE" sz="800" b="0" i="0" u="none" strike="noStrike" kern="1200" cap="none" normalizeH="0" baseline="0" dirty="0">
+              <a:ln>
+                <a:noFill/>
+              </a:ln>
+              <a:solidFill>
+                <a:srgbClr val="000000"/>
+              </a:solidFill>
+              <a:effectLst/>
+              <a:latin typeface="Courier New" panose="02070309020205020404" pitchFamily="49" charset="0"/>
+              <a:cs typeface="Courier New" panose="02070309020205020404" pitchFamily="49" charset="0"/>
+            </a:rPr>
+            <a:t>)</a:t>
+          </a:r>
+          <a:endParaRPr lang="de-DE" sz="800" b="0" i="0" kern="1200" dirty="0">
+            <a:latin typeface="Courier New" panose="02070309020205020404" pitchFamily="49" charset="0"/>
+            <a:cs typeface="Courier New" panose="02070309020205020404" pitchFamily="49" charset="0"/>
+          </a:endParaRPr>
         </a:p>
       </dsp:txBody>
       <dsp:txXfrm>
@@ -3895,7 +5119,7 @@
           <a:p>
             <a:fld id="{B744AEF9-E4D1-4D1F-A6A2-CF4ED960CC9F}" type="datetimeFigureOut">
               <a:rPr lang="de-DE" smtClean="0"/>
-              <a:t>18.02.2019</a:t>
+              <a:t>19.02.2019</a:t>
             </a:fld>
             <a:endParaRPr lang="de-DE"/>
           </a:p>
@@ -4093,7 +5317,7 @@
           <a:p>
             <a:fld id="{B744AEF9-E4D1-4D1F-A6A2-CF4ED960CC9F}" type="datetimeFigureOut">
               <a:rPr lang="de-DE" smtClean="0"/>
-              <a:t>18.02.2019</a:t>
+              <a:t>19.02.2019</a:t>
             </a:fld>
             <a:endParaRPr lang="de-DE"/>
           </a:p>
@@ -4301,7 +5525,7 @@
           <a:p>
             <a:fld id="{B744AEF9-E4D1-4D1F-A6A2-CF4ED960CC9F}" type="datetimeFigureOut">
               <a:rPr lang="de-DE" smtClean="0"/>
-              <a:t>18.02.2019</a:t>
+              <a:t>19.02.2019</a:t>
             </a:fld>
             <a:endParaRPr lang="de-DE"/>
           </a:p>
@@ -4499,7 +5723,7 @@
           <a:p>
             <a:fld id="{B744AEF9-E4D1-4D1F-A6A2-CF4ED960CC9F}" type="datetimeFigureOut">
               <a:rPr lang="de-DE" smtClean="0"/>
-              <a:t>18.02.2019</a:t>
+              <a:t>19.02.2019</a:t>
             </a:fld>
             <a:endParaRPr lang="de-DE"/>
           </a:p>
@@ -4774,7 +5998,7 @@
           <a:p>
             <a:fld id="{B744AEF9-E4D1-4D1F-A6A2-CF4ED960CC9F}" type="datetimeFigureOut">
               <a:rPr lang="de-DE" smtClean="0"/>
-              <a:t>18.02.2019</a:t>
+              <a:t>19.02.2019</a:t>
             </a:fld>
             <a:endParaRPr lang="de-DE"/>
           </a:p>
@@ -5039,7 +6263,7 @@
           <a:p>
             <a:fld id="{B744AEF9-E4D1-4D1F-A6A2-CF4ED960CC9F}" type="datetimeFigureOut">
               <a:rPr lang="de-DE" smtClean="0"/>
-              <a:t>18.02.2019</a:t>
+              <a:t>19.02.2019</a:t>
             </a:fld>
             <a:endParaRPr lang="de-DE"/>
           </a:p>
@@ -5451,7 +6675,7 @@
           <a:p>
             <a:fld id="{B744AEF9-E4D1-4D1F-A6A2-CF4ED960CC9F}" type="datetimeFigureOut">
               <a:rPr lang="de-DE" smtClean="0"/>
-              <a:t>18.02.2019</a:t>
+              <a:t>19.02.2019</a:t>
             </a:fld>
             <a:endParaRPr lang="de-DE"/>
           </a:p>
@@ -5592,7 +6816,7 @@
           <a:p>
             <a:fld id="{B744AEF9-E4D1-4D1F-A6A2-CF4ED960CC9F}" type="datetimeFigureOut">
               <a:rPr lang="de-DE" smtClean="0"/>
-              <a:t>18.02.2019</a:t>
+              <a:t>19.02.2019</a:t>
             </a:fld>
             <a:endParaRPr lang="de-DE"/>
           </a:p>
@@ -5705,7 +6929,7 @@
           <a:p>
             <a:fld id="{B744AEF9-E4D1-4D1F-A6A2-CF4ED960CC9F}" type="datetimeFigureOut">
               <a:rPr lang="de-DE" smtClean="0"/>
-              <a:t>18.02.2019</a:t>
+              <a:t>19.02.2019</a:t>
             </a:fld>
             <a:endParaRPr lang="de-DE"/>
           </a:p>
@@ -6016,7 +7240,7 @@
           <a:p>
             <a:fld id="{B744AEF9-E4D1-4D1F-A6A2-CF4ED960CC9F}" type="datetimeFigureOut">
               <a:rPr lang="de-DE" smtClean="0"/>
-              <a:t>18.02.2019</a:t>
+              <a:t>19.02.2019</a:t>
             </a:fld>
             <a:endParaRPr lang="de-DE"/>
           </a:p>
@@ -6304,7 +7528,7 @@
           <a:p>
             <a:fld id="{B744AEF9-E4D1-4D1F-A6A2-CF4ED960CC9F}" type="datetimeFigureOut">
               <a:rPr lang="de-DE" smtClean="0"/>
-              <a:t>18.02.2019</a:t>
+              <a:t>19.02.2019</a:t>
             </a:fld>
             <a:endParaRPr lang="de-DE"/>
           </a:p>
@@ -6545,7 +7769,7 @@
           <a:p>
             <a:fld id="{B744AEF9-E4D1-4D1F-A6A2-CF4ED960CC9F}" type="datetimeFigureOut">
               <a:rPr lang="de-DE" smtClean="0"/>
-              <a:t>18.02.2019</a:t>
+              <a:t>19.02.2019</a:t>
             </a:fld>
             <a:endParaRPr lang="de-DE"/>
           </a:p>
@@ -6975,7 +8199,7 @@
           <p:nvPr>
             <p:extLst>
               <p:ext uri="{D42A27DB-BD31-4B8C-83A1-F6EECF244321}">
-                <p14:modId xmlns:p14="http://schemas.microsoft.com/office/powerpoint/2010/main" val="1394029394"/>
+                <p14:modId xmlns:p14="http://schemas.microsoft.com/office/powerpoint/2010/main" val="4160162478"/>
               </p:ext>
             </p:extLst>
           </p:nvPr>
